--- a/ppt/Assignment_A1-1_Presentation.pptx
+++ b/ppt/Assignment_A1-1_Presentation.pptx
@@ -13,6 +13,7 @@
     <p:sldId id="263" r:id="rId7"/>
     <p:sldId id="260" r:id="rId8"/>
     <p:sldId id="262" r:id="rId9"/>
+    <p:sldId id="264" r:id="rId10"/>
   </p:sldIdLst>
   <p:sldSz cx="12192000" cy="6858000"/>
   <p:notesSz cx="6858000" cy="9144000"/>
@@ -3107,7 +3108,7 @@
           <p:cNvPr id="2" name="Title 1">
             <a:extLst>
               <a:ext uri="{FF2B5EF4-FFF2-40B4-BE49-F238E27FC236}">
-                <a16:creationId xmlns:a16="http://schemas.microsoft.com/office/drawing/2014/main" xmlns="" id="{8F5451DC-123F-4B99-AADD-9B976F5E8DE6}"/>
+                <a16:creationId xmlns="" xmlns:a16="http://schemas.microsoft.com/office/drawing/2014/main" id="{8F5451DC-123F-4B99-AADD-9B976F5E8DE6}"/>
               </a:ext>
             </a:extLst>
           </p:cNvPr>
@@ -3142,7 +3143,7 @@
           <p:cNvPr id="3" name="Subtitle 2">
             <a:extLst>
               <a:ext uri="{FF2B5EF4-FFF2-40B4-BE49-F238E27FC236}">
-                <a16:creationId xmlns:a16="http://schemas.microsoft.com/office/drawing/2014/main" xmlns="" id="{DFE00943-9AFC-4A15-B898-4ED3EB920C7B}"/>
+                <a16:creationId xmlns="" xmlns:a16="http://schemas.microsoft.com/office/drawing/2014/main" id="{DFE00943-9AFC-4A15-B898-4ED3EB920C7B}"/>
               </a:ext>
             </a:extLst>
           </p:cNvPr>
@@ -3270,7 +3271,7 @@
           <p:cNvPr id="2" name="Title 1">
             <a:extLst>
               <a:ext uri="{FF2B5EF4-FFF2-40B4-BE49-F238E27FC236}">
-                <a16:creationId xmlns:a16="http://schemas.microsoft.com/office/drawing/2014/main" xmlns="" id="{FBDF1499-9B27-4AD3-8696-4CF5318FB7EC}"/>
+                <a16:creationId xmlns="" xmlns:a16="http://schemas.microsoft.com/office/drawing/2014/main" id="{FBDF1499-9B27-4AD3-8696-4CF5318FB7EC}"/>
               </a:ext>
             </a:extLst>
           </p:cNvPr>
@@ -3307,7 +3308,7 @@
           <p:cNvPr id="3" name="Content Placeholder 2">
             <a:extLst>
               <a:ext uri="{FF2B5EF4-FFF2-40B4-BE49-F238E27FC236}">
-                <a16:creationId xmlns:a16="http://schemas.microsoft.com/office/drawing/2014/main" xmlns="" id="{A585A246-4F93-4300-8905-CB2332A411EA}"/>
+                <a16:creationId xmlns="" xmlns:a16="http://schemas.microsoft.com/office/drawing/2014/main" id="{A585A246-4F93-4300-8905-CB2332A411EA}"/>
               </a:ext>
             </a:extLst>
           </p:cNvPr>
@@ -3394,7 +3395,7 @@
           <p:cNvPr id="2" name="Title 1">
             <a:extLst>
               <a:ext uri="{FF2B5EF4-FFF2-40B4-BE49-F238E27FC236}">
-                <a16:creationId xmlns:a16="http://schemas.microsoft.com/office/drawing/2014/main" xmlns="" id="{1E118303-EB12-4E60-AC63-F70BFC9CD066}"/>
+                <a16:creationId xmlns="" xmlns:a16="http://schemas.microsoft.com/office/drawing/2014/main" id="{1E118303-EB12-4E60-AC63-F70BFC9CD066}"/>
               </a:ext>
             </a:extLst>
           </p:cNvPr>
@@ -3424,7 +3425,7 @@
           <p:cNvPr id="3" name="Content Placeholder 2">
             <a:extLst>
               <a:ext uri="{FF2B5EF4-FFF2-40B4-BE49-F238E27FC236}">
-                <a16:creationId xmlns:a16="http://schemas.microsoft.com/office/drawing/2014/main" xmlns="" id="{EC145A38-FEC7-43D7-AC36-DBFC25A5F973}"/>
+                <a16:creationId xmlns="" xmlns:a16="http://schemas.microsoft.com/office/drawing/2014/main" id="{EC145A38-FEC7-43D7-AC36-DBFC25A5F973}"/>
               </a:ext>
             </a:extLst>
           </p:cNvPr>
@@ -3498,7 +3499,7 @@
           <p:cNvPr id="2" name="Title 1">
             <a:extLst>
               <a:ext uri="{FF2B5EF4-FFF2-40B4-BE49-F238E27FC236}">
-                <a16:creationId xmlns:a16="http://schemas.microsoft.com/office/drawing/2014/main" xmlns="" id="{25788A04-8D3D-40BB-ACCE-661ADB19BE80}"/>
+                <a16:creationId xmlns="" xmlns:a16="http://schemas.microsoft.com/office/drawing/2014/main" id="{25788A04-8D3D-40BB-ACCE-661ADB19BE80}"/>
               </a:ext>
             </a:extLst>
           </p:cNvPr>
@@ -3544,7 +3545,47 @@
           <a:bodyPr/>
           <a:lstStyle/>
           <a:p>
-            <a:endParaRPr lang="en-US"/>
+            <a:r>
+              <a:rPr lang="en-US" dirty="0"/>
+              <a:t>S</a:t>
+            </a:r>
+            <a:r>
+              <a:rPr lang="en-US" dirty="0" smtClean="0"/>
+              <a:t>how the app</a:t>
+            </a:r>
+          </a:p>
+          <a:p>
+            <a:r>
+              <a:rPr lang="en-US" dirty="0" smtClean="0"/>
+              <a:t>S</a:t>
+            </a:r>
+            <a:r>
+              <a:rPr lang="en-US" dirty="0" smtClean="0"/>
+              <a:t>tring on sets</a:t>
+            </a:r>
+          </a:p>
+          <a:p>
+            <a:r>
+              <a:rPr lang="en-US" dirty="0" smtClean="0"/>
+              <a:t>S</a:t>
+            </a:r>
+            <a:r>
+              <a:rPr lang="en-US" dirty="0" smtClean="0"/>
+              <a:t>tring on weights</a:t>
+            </a:r>
+          </a:p>
+          <a:p>
+            <a:r>
+              <a:rPr lang="en-US" dirty="0" smtClean="0"/>
+              <a:t>S</a:t>
+            </a:r>
+            <a:r>
+              <a:rPr lang="en-US" dirty="0" smtClean="0"/>
+              <a:t>tring on reps</a:t>
+            </a:r>
+          </a:p>
+          <a:p>
+            <a:endParaRPr lang="en-US" dirty="0"/>
           </a:p>
         </p:txBody>
       </p:sp>
@@ -3797,11 +3838,7 @@
           <a:p>
             <a:r>
               <a:rPr lang="en-US" dirty="0" smtClean="0"/>
-              <a:t>E</a:t>
-            </a:r>
-            <a:r>
-              <a:rPr lang="en-US" dirty="0" smtClean="0"/>
-              <a:t>rror handling </a:t>
+              <a:t>Error handling </a:t>
             </a:r>
           </a:p>
           <a:p>
@@ -3830,6 +3867,78 @@
     <p:extLst>
       <p:ext uri="{BB962C8B-B14F-4D97-AF65-F5344CB8AC3E}">
         <p14:creationId xmlns:p14="http://schemas.microsoft.com/office/powerpoint/2010/main" val="2256724009"/>
+      </p:ext>
+    </p:extLst>
+  </p:cSld>
+  <p:clrMapOvr>
+    <a:masterClrMapping/>
+  </p:clrMapOvr>
+</p:sld>
+</file>
+
+<file path=ppt/slides/slide9.xml><?xml version="1.0" encoding="utf-8"?>
+<p:sld xmlns:a="http://schemas.openxmlformats.org/drawingml/2006/main" xmlns:r="http://schemas.openxmlformats.org/officeDocument/2006/relationships" xmlns:p="http://schemas.openxmlformats.org/presentationml/2006/main">
+  <p:cSld>
+    <p:spTree>
+      <p:nvGrpSpPr>
+        <p:cNvPr id="1" name=""/>
+        <p:cNvGrpSpPr/>
+        <p:nvPr/>
+      </p:nvGrpSpPr>
+      <p:grpSpPr>
+        <a:xfrm>
+          <a:off x="0" y="0"/>
+          <a:ext cx="0" cy="0"/>
+          <a:chOff x="0" y="0"/>
+          <a:chExt cx="0" cy="0"/>
+        </a:xfrm>
+      </p:grpSpPr>
+      <p:sp>
+        <p:nvSpPr>
+          <p:cNvPr id="2" name="Title 1"/>
+          <p:cNvSpPr>
+            <a:spLocks noGrp="1"/>
+          </p:cNvSpPr>
+          <p:nvPr>
+            <p:ph type="title"/>
+          </p:nvPr>
+        </p:nvSpPr>
+        <p:spPr/>
+        <p:txBody>
+          <a:bodyPr/>
+          <a:lstStyle/>
+          <a:p>
+            <a:r>
+              <a:rPr lang="en-US" smtClean="0"/>
+              <a:t>Any Questions</a:t>
+            </a:r>
+            <a:endParaRPr lang="en-US"/>
+          </a:p>
+        </p:txBody>
+      </p:sp>
+      <p:sp>
+        <p:nvSpPr>
+          <p:cNvPr id="3" name="Content Placeholder 2"/>
+          <p:cNvSpPr>
+            <a:spLocks noGrp="1"/>
+          </p:cNvSpPr>
+          <p:nvPr>
+            <p:ph idx="1"/>
+          </p:nvPr>
+        </p:nvSpPr>
+        <p:spPr/>
+        <p:txBody>
+          <a:bodyPr/>
+          <a:lstStyle/>
+          <a:p>
+            <a:endParaRPr lang="en-US"/>
+          </a:p>
+        </p:txBody>
+      </p:sp>
+    </p:spTree>
+    <p:extLst>
+      <p:ext uri="{BB962C8B-B14F-4D97-AF65-F5344CB8AC3E}">
+        <p14:creationId xmlns:p14="http://schemas.microsoft.com/office/powerpoint/2010/main" val="2288286935"/>
       </p:ext>
     </p:extLst>
   </p:cSld>

--- a/ppt/Assignment_A1-1_Presentation.pptx
+++ b/ppt/Assignment_A1-1_Presentation.pptx
@@ -5,15 +5,16 @@
     <p:sldMasterId id="2147484005" r:id="rId1"/>
   </p:sldMasterIdLst>
   <p:sldIdLst>
-    <p:sldId id="256" r:id="rId2"/>
+    <p:sldId id="265" r:id="rId2"/>
     <p:sldId id="261" r:id="rId3"/>
-    <p:sldId id="257" r:id="rId4"/>
-    <p:sldId id="258" r:id="rId5"/>
-    <p:sldId id="259" r:id="rId6"/>
-    <p:sldId id="263" r:id="rId7"/>
-    <p:sldId id="260" r:id="rId8"/>
-    <p:sldId id="262" r:id="rId9"/>
-    <p:sldId id="264" r:id="rId10"/>
+    <p:sldId id="256" r:id="rId4"/>
+    <p:sldId id="257" r:id="rId5"/>
+    <p:sldId id="258" r:id="rId6"/>
+    <p:sldId id="259" r:id="rId7"/>
+    <p:sldId id="263" r:id="rId8"/>
+    <p:sldId id="260" r:id="rId9"/>
+    <p:sldId id="262" r:id="rId10"/>
+    <p:sldId id="264" r:id="rId11"/>
   </p:sldIdLst>
   <p:sldSz cx="12192000" cy="6858000"/>
   <p:notesSz cx="6858000" cy="9144000"/>
@@ -296,7 +297,7 @@
           <a:p>
             <a:fld id="{E2237694-747B-429D-BAB8-A0D65AE46555}" type="datetimeFigureOut">
               <a:rPr lang="en-AU" smtClean="0"/>
-              <a:t>5/9/18</a:t>
+              <a:t>6/9/18</a:t>
             </a:fld>
             <a:endParaRPr lang="en-AU"/>
           </a:p>
@@ -466,7 +467,7 @@
           <a:p>
             <a:fld id="{E2237694-747B-429D-BAB8-A0D65AE46555}" type="datetimeFigureOut">
               <a:rPr lang="en-AU" smtClean="0"/>
-              <a:t>5/9/18</a:t>
+              <a:t>6/9/18</a:t>
             </a:fld>
             <a:endParaRPr lang="en-AU"/>
           </a:p>
@@ -646,7 +647,7 @@
           <a:p>
             <a:fld id="{E2237694-747B-429D-BAB8-A0D65AE46555}" type="datetimeFigureOut">
               <a:rPr lang="en-AU" smtClean="0"/>
-              <a:t>5/9/18</a:t>
+              <a:t>6/9/18</a:t>
             </a:fld>
             <a:endParaRPr lang="en-AU"/>
           </a:p>
@@ -816,7 +817,7 @@
           <a:p>
             <a:fld id="{E2237694-747B-429D-BAB8-A0D65AE46555}" type="datetimeFigureOut">
               <a:rPr lang="en-AU" smtClean="0"/>
-              <a:t>5/9/18</a:t>
+              <a:t>6/9/18</a:t>
             </a:fld>
             <a:endParaRPr lang="en-AU"/>
           </a:p>
@@ -1062,7 +1063,7 @@
           <a:p>
             <a:fld id="{E2237694-747B-429D-BAB8-A0D65AE46555}" type="datetimeFigureOut">
               <a:rPr lang="en-AU" smtClean="0"/>
-              <a:t>5/9/18</a:t>
+              <a:t>6/9/18</a:t>
             </a:fld>
             <a:endParaRPr lang="en-AU"/>
           </a:p>
@@ -1350,7 +1351,7 @@
           <a:p>
             <a:fld id="{E2237694-747B-429D-BAB8-A0D65AE46555}" type="datetimeFigureOut">
               <a:rPr lang="en-AU" smtClean="0"/>
-              <a:t>5/9/18</a:t>
+              <a:t>6/9/18</a:t>
             </a:fld>
             <a:endParaRPr lang="en-AU"/>
           </a:p>
@@ -1772,7 +1773,7 @@
           <a:p>
             <a:fld id="{E2237694-747B-429D-BAB8-A0D65AE46555}" type="datetimeFigureOut">
               <a:rPr lang="en-AU" smtClean="0"/>
-              <a:t>5/9/18</a:t>
+              <a:t>6/9/18</a:t>
             </a:fld>
             <a:endParaRPr lang="en-AU"/>
           </a:p>
@@ -1890,7 +1891,7 @@
           <a:p>
             <a:fld id="{E2237694-747B-429D-BAB8-A0D65AE46555}" type="datetimeFigureOut">
               <a:rPr lang="en-AU" smtClean="0"/>
-              <a:t>5/9/18</a:t>
+              <a:t>6/9/18</a:t>
             </a:fld>
             <a:endParaRPr lang="en-AU"/>
           </a:p>
@@ -1985,7 +1986,7 @@
           <a:p>
             <a:fld id="{E2237694-747B-429D-BAB8-A0D65AE46555}" type="datetimeFigureOut">
               <a:rPr lang="en-AU" smtClean="0"/>
-              <a:t>5/9/18</a:t>
+              <a:t>6/9/18</a:t>
             </a:fld>
             <a:endParaRPr lang="en-AU"/>
           </a:p>
@@ -2262,7 +2263,7 @@
           <a:p>
             <a:fld id="{E2237694-747B-429D-BAB8-A0D65AE46555}" type="datetimeFigureOut">
               <a:rPr lang="en-AU" smtClean="0"/>
-              <a:t>5/9/18</a:t>
+              <a:t>6/9/18</a:t>
             </a:fld>
             <a:endParaRPr lang="en-AU"/>
           </a:p>
@@ -2515,7 +2516,7 @@
           <a:p>
             <a:fld id="{E2237694-747B-429D-BAB8-A0D65AE46555}" type="datetimeFigureOut">
               <a:rPr lang="en-AU" smtClean="0"/>
-              <a:t>5/9/18</a:t>
+              <a:t>6/9/18</a:t>
             </a:fld>
             <a:endParaRPr lang="en-AU"/>
           </a:p>
@@ -2728,7 +2729,7 @@
           <a:p>
             <a:fld id="{E2237694-747B-429D-BAB8-A0D65AE46555}" type="datetimeFigureOut">
               <a:rPr lang="en-AU" smtClean="0"/>
-              <a:t>5/9/18</a:t>
+              <a:t>6/9/18</a:t>
             </a:fld>
             <a:endParaRPr lang="en-AU"/>
           </a:p>
@@ -3105,13 +3106,7 @@
       </p:grpSpPr>
       <p:sp>
         <p:nvSpPr>
-          <p:cNvPr id="2" name="Title 1">
-            <a:extLst>
-              <a:ext uri="{FF2B5EF4-FFF2-40B4-BE49-F238E27FC236}">
-                <a16:creationId xmlns="" xmlns:a16="http://schemas.microsoft.com/office/drawing/2014/main" id="{8F5451DC-123F-4B99-AADD-9B976F5E8DE6}"/>
-              </a:ext>
-            </a:extLst>
-          </p:cNvPr>
+          <p:cNvPr id="2" name="Title 1"/>
           <p:cNvSpPr>
             <a:spLocks noGrp="1"/>
           </p:cNvSpPr>
@@ -3119,34 +3114,18 @@
             <p:ph type="ctrTitle"/>
           </p:nvPr>
         </p:nvSpPr>
-        <p:spPr>
-          <a:xfrm>
-            <a:off x="1751012" y="1320800"/>
-            <a:ext cx="8689976" cy="2489198"/>
-          </a:xfrm>
-        </p:spPr>
-        <p:txBody>
-          <a:bodyPr>
-            <a:normAutofit/>
-          </a:bodyPr>
-          <a:lstStyle/>
-          <a:p>
-            <a:r>
-              <a:rPr lang="en-AU" sz="7200" dirty="0"/>
-              <a:t>Exercise Log App</a:t>
-            </a:r>
-          </a:p>
-        </p:txBody>
-      </p:sp>
-      <p:sp>
-        <p:nvSpPr>
-          <p:cNvPr id="3" name="Subtitle 2">
-            <a:extLst>
-              <a:ext uri="{FF2B5EF4-FFF2-40B4-BE49-F238E27FC236}">
-                <a16:creationId xmlns="" xmlns:a16="http://schemas.microsoft.com/office/drawing/2014/main" id="{DFE00943-9AFC-4A15-B898-4ED3EB920C7B}"/>
-              </a:ext>
-            </a:extLst>
-          </p:cNvPr>
+        <p:spPr/>
+        <p:txBody>
+          <a:bodyPr/>
+          <a:lstStyle/>
+          <a:p>
+            <a:endParaRPr lang="en-US"/>
+          </a:p>
+        </p:txBody>
+      </p:sp>
+      <p:sp>
+        <p:nvSpPr>
+          <p:cNvPr id="3" name="Subtitle 2"/>
           <p:cNvSpPr>
             <a:spLocks noGrp="1"/>
           </p:cNvSpPr>
@@ -3156,30 +3135,89 @@
         </p:nvSpPr>
         <p:spPr/>
         <p:txBody>
-          <a:bodyPr>
-            <a:normAutofit/>
-          </a:bodyPr>
-          <a:lstStyle/>
-          <a:p>
-            <a:r>
-              <a:rPr lang="en-AU" sz="2800" dirty="0"/>
-              <a:t>By Mark </a:t>
-            </a:r>
-            <a:r>
-              <a:rPr lang="en-AU" sz="2800" dirty="0" err="1"/>
-              <a:t>Conanan</a:t>
-            </a:r>
-            <a:r>
-              <a:rPr lang="en-AU" sz="2800" dirty="0"/>
-              <a:t> and Thanh Dao</a:t>
-            </a:r>
+          <a:bodyPr/>
+          <a:lstStyle/>
+          <a:p>
+            <a:endParaRPr lang="en-US"/>
           </a:p>
         </p:txBody>
       </p:sp>
     </p:spTree>
     <p:extLst>
       <p:ext uri="{BB962C8B-B14F-4D97-AF65-F5344CB8AC3E}">
-        <p14:creationId xmlns:p14="http://schemas.microsoft.com/office/powerpoint/2010/main" val="2611525835"/>
+        <p14:creationId xmlns:p14="http://schemas.microsoft.com/office/powerpoint/2010/main" val="4276620706"/>
+      </p:ext>
+    </p:extLst>
+  </p:cSld>
+  <p:clrMapOvr>
+    <a:masterClrMapping/>
+  </p:clrMapOvr>
+</p:sld>
+</file>
+
+<file path=ppt/slides/slide10.xml><?xml version="1.0" encoding="utf-8"?>
+<p:sld xmlns:a="http://schemas.openxmlformats.org/drawingml/2006/main" xmlns:r="http://schemas.openxmlformats.org/officeDocument/2006/relationships" xmlns:p="http://schemas.openxmlformats.org/presentationml/2006/main">
+  <p:cSld>
+    <p:spTree>
+      <p:nvGrpSpPr>
+        <p:cNvPr id="1" name=""/>
+        <p:cNvGrpSpPr/>
+        <p:nvPr/>
+      </p:nvGrpSpPr>
+      <p:grpSpPr>
+        <a:xfrm>
+          <a:off x="0" y="0"/>
+          <a:ext cx="0" cy="0"/>
+          <a:chOff x="0" y="0"/>
+          <a:chExt cx="0" cy="0"/>
+        </a:xfrm>
+      </p:grpSpPr>
+      <p:sp>
+        <p:nvSpPr>
+          <p:cNvPr id="2" name="Title 1"/>
+          <p:cNvSpPr>
+            <a:spLocks noGrp="1"/>
+          </p:cNvSpPr>
+          <p:nvPr>
+            <p:ph type="title"/>
+          </p:nvPr>
+        </p:nvSpPr>
+        <p:spPr/>
+        <p:txBody>
+          <a:bodyPr/>
+          <a:lstStyle/>
+          <a:p>
+            <a:r>
+              <a:rPr lang="en-US" dirty="0" smtClean="0"/>
+              <a:t>Any Questions</a:t>
+            </a:r>
+            <a:endParaRPr lang="en-US" dirty="0"/>
+          </a:p>
+        </p:txBody>
+      </p:sp>
+      <p:sp>
+        <p:nvSpPr>
+          <p:cNvPr id="3" name="Content Placeholder 2"/>
+          <p:cNvSpPr>
+            <a:spLocks noGrp="1"/>
+          </p:cNvSpPr>
+          <p:nvPr>
+            <p:ph idx="1"/>
+          </p:nvPr>
+        </p:nvSpPr>
+        <p:spPr/>
+        <p:txBody>
+          <a:bodyPr/>
+          <a:lstStyle/>
+          <a:p>
+            <a:endParaRPr lang="en-US"/>
+          </a:p>
+        </p:txBody>
+      </p:sp>
+    </p:spTree>
+    <p:extLst>
+      <p:ext uri="{BB962C8B-B14F-4D97-AF65-F5344CB8AC3E}">
+        <p14:creationId xmlns:p14="http://schemas.microsoft.com/office/powerpoint/2010/main" val="2288286935"/>
       </p:ext>
     </p:extLst>
   </p:cSld>
@@ -3271,7 +3309,7 @@
           <p:cNvPr id="2" name="Title 1">
             <a:extLst>
               <a:ext uri="{FF2B5EF4-FFF2-40B4-BE49-F238E27FC236}">
-                <a16:creationId xmlns="" xmlns:a16="http://schemas.microsoft.com/office/drawing/2014/main" id="{FBDF1499-9B27-4AD3-8696-4CF5318FB7EC}"/>
+                <a16:creationId xmlns="" xmlns:a16="http://schemas.microsoft.com/office/drawing/2014/main" id="{8F5451DC-123F-4B99-AADD-9B976F5E8DE6}"/>
               </a:ext>
             </a:extLst>
           </p:cNvPr>
@@ -3279,36 +3317,34 @@
             <a:spLocks noGrp="1"/>
           </p:cNvSpPr>
           <p:nvPr>
-            <p:ph type="title"/>
+            <p:ph type="ctrTitle"/>
           </p:nvPr>
         </p:nvSpPr>
         <p:spPr>
           <a:xfrm>
-            <a:off x="913776" y="175172"/>
-            <a:ext cx="10364451" cy="1596177"/>
+            <a:off x="1751012" y="1320800"/>
+            <a:ext cx="8689976" cy="2489198"/>
           </a:xfrm>
         </p:spPr>
         <p:txBody>
-          <a:bodyPr/>
+          <a:bodyPr>
+            <a:normAutofit/>
+          </a:bodyPr>
           <a:lstStyle/>
           <a:p>
             <a:r>
               <a:rPr lang="en-AU" sz="7200" dirty="0"/>
-              <a:t>Purpose</a:t>
-            </a:r>
-            <a:r>
-              <a:rPr lang="en-AU" dirty="0"/>
-              <a:t> </a:t>
-            </a:r>
-          </a:p>
-        </p:txBody>
-      </p:sp>
-      <p:sp>
-        <p:nvSpPr>
-          <p:cNvPr id="3" name="Content Placeholder 2">
+              <a:t>Exercise Log App</a:t>
+            </a:r>
+          </a:p>
+        </p:txBody>
+      </p:sp>
+      <p:sp>
+        <p:nvSpPr>
+          <p:cNvPr id="3" name="Subtitle 2">
             <a:extLst>
               <a:ext uri="{FF2B5EF4-FFF2-40B4-BE49-F238E27FC236}">
-                <a16:creationId xmlns="" xmlns:a16="http://schemas.microsoft.com/office/drawing/2014/main" id="{A585A246-4F93-4300-8905-CB2332A411EA}"/>
+                <a16:creationId xmlns="" xmlns:a16="http://schemas.microsoft.com/office/drawing/2014/main" id="{DFE00943-9AFC-4A15-B898-4ED3EB920C7B}"/>
               </a:ext>
             </a:extLst>
           </p:cNvPr>
@@ -3316,46 +3352,31 @@
             <a:spLocks noGrp="1"/>
           </p:cNvSpPr>
           <p:nvPr>
-            <p:ph idx="1"/>
+            <p:ph type="subTitle" idx="1"/>
           </p:nvPr>
         </p:nvSpPr>
         <p:spPr/>
         <p:txBody>
           <a:bodyPr>
-            <a:noAutofit/>
+            <a:normAutofit/>
           </a:bodyPr>
           <a:lstStyle/>
           <a:p>
             <a:r>
-              <a:rPr lang="en-AU" sz="4800" dirty="0"/>
-              <a:t>To track the progress of the user during a workout in a easy to read table</a:t>
-            </a:r>
-          </a:p>
-          <a:p>
-            <a:r>
-              <a:rPr lang="en-AU" sz="4800" dirty="0"/>
-              <a:t>To encourage people </a:t>
-            </a:r>
-            <a:r>
-              <a:rPr lang="en-AU" sz="4800" dirty="0" smtClean="0"/>
-              <a:t>during their workout</a:t>
-            </a:r>
-            <a:endParaRPr lang="en-AU" sz="4800" dirty="0"/>
-          </a:p>
-          <a:p>
-            <a:pPr marL="0" indent="0">
-              <a:buNone/>
-            </a:pPr>
-            <a:r>
-              <a:rPr lang="en-AU" sz="4400" dirty="0"/>
-              <a:t/>
-            </a:r>
-            <a:br>
-              <a:rPr lang="en-AU" sz="4400" dirty="0"/>
-            </a:br>
-            <a:r>
-              <a:rPr lang="en-AU" sz="4400" dirty="0"/>
-              <a:t> </a:t>
+              <a:rPr lang="en-AU" sz="2800" dirty="0" smtClean="0"/>
+              <a:t>Developed by </a:t>
+            </a:r>
+            <a:r>
+              <a:rPr lang="en-AU" sz="2800" dirty="0"/>
+              <a:t>Mark </a:t>
+            </a:r>
+            <a:r>
+              <a:rPr lang="en-AU" sz="2800" dirty="0" err="1"/>
+              <a:t>Conanan</a:t>
+            </a:r>
+            <a:r>
+              <a:rPr lang="en-AU" sz="2800" dirty="0"/>
+              <a:t> and Thanh Dao</a:t>
             </a:r>
           </a:p>
         </p:txBody>
@@ -3363,7 +3384,7 @@
     </p:spTree>
     <p:extLst>
       <p:ext uri="{BB962C8B-B14F-4D97-AF65-F5344CB8AC3E}">
-        <p14:creationId xmlns:p14="http://schemas.microsoft.com/office/powerpoint/2010/main" val="68997354"/>
+        <p14:creationId xmlns:p14="http://schemas.microsoft.com/office/powerpoint/2010/main" val="2611525835"/>
       </p:ext>
     </p:extLst>
   </p:cSld>
@@ -3395,7 +3416,7 @@
           <p:cNvPr id="2" name="Title 1">
             <a:extLst>
               <a:ext uri="{FF2B5EF4-FFF2-40B4-BE49-F238E27FC236}">
-                <a16:creationId xmlns="" xmlns:a16="http://schemas.microsoft.com/office/drawing/2014/main" id="{1E118303-EB12-4E60-AC63-F70BFC9CD066}"/>
+                <a16:creationId xmlns="" xmlns:a16="http://schemas.microsoft.com/office/drawing/2014/main" id="{FBDF1499-9B27-4AD3-8696-4CF5318FB7EC}"/>
               </a:ext>
             </a:extLst>
           </p:cNvPr>
@@ -3406,16 +3427,23 @@
             <p:ph type="title"/>
           </p:nvPr>
         </p:nvSpPr>
-        <p:spPr/>
-        <p:txBody>
-          <a:bodyPr>
-            <a:normAutofit fontScale="90000"/>
-          </a:bodyPr>
+        <p:spPr>
+          <a:xfrm>
+            <a:off x="913776" y="175172"/>
+            <a:ext cx="10364451" cy="1596177"/>
+          </a:xfrm>
+        </p:spPr>
+        <p:txBody>
+          <a:bodyPr/>
           <a:lstStyle/>
           <a:p>
             <a:r>
               <a:rPr lang="en-AU" sz="7200" dirty="0"/>
-              <a:t>Prerequisites</a:t>
+              <a:t>Purpose</a:t>
+            </a:r>
+            <a:r>
+              <a:rPr lang="en-AU" dirty="0"/>
+              <a:t> </a:t>
             </a:r>
           </a:p>
         </p:txBody>
@@ -3425,7 +3453,7 @@
           <p:cNvPr id="3" name="Content Placeholder 2">
             <a:extLst>
               <a:ext uri="{FF2B5EF4-FFF2-40B4-BE49-F238E27FC236}">
-                <a16:creationId xmlns="" xmlns:a16="http://schemas.microsoft.com/office/drawing/2014/main" id="{EC145A38-FEC7-43D7-AC36-DBFC25A5F973}"/>
+                <a16:creationId xmlns="" xmlns:a16="http://schemas.microsoft.com/office/drawing/2014/main" id="{A585A246-4F93-4300-8905-CB2332A411EA}"/>
               </a:ext>
             </a:extLst>
           </p:cNvPr>
@@ -3439,27 +3467,40 @@
         <p:spPr/>
         <p:txBody>
           <a:bodyPr>
-            <a:normAutofit/>
+            <a:noAutofit/>
           </a:bodyPr>
           <a:lstStyle/>
           <a:p>
             <a:r>
               <a:rPr lang="en-AU" sz="2800" dirty="0"/>
-              <a:t>Fork and clone repository ‘https://github.com/markconanan/</a:t>
-            </a:r>
-            <a:r>
-              <a:rPr lang="en-AU" sz="2800" dirty="0" err="1"/>
-              <a:t>CA_Assessment</a:t>
-            </a:r>
+              <a:t>To track the progress of the user during a workout in a easy to read table</a:t>
+            </a:r>
+          </a:p>
+          <a:p>
             <a:r>
               <a:rPr lang="en-AU" sz="2800" dirty="0"/>
-              <a:t>’</a:t>
-            </a:r>
-          </a:p>
-          <a:p>
+              <a:t>To encourage people </a:t>
+            </a:r>
+            <a:r>
+              <a:rPr lang="en-AU" sz="2800" dirty="0" smtClean="0"/>
+              <a:t>during their workout</a:t>
+            </a:r>
+            <a:endParaRPr lang="en-AU" sz="2800" dirty="0"/>
+          </a:p>
+          <a:p>
+            <a:pPr marL="0" indent="0">
+              <a:buNone/>
+            </a:pPr>
             <a:r>
               <a:rPr lang="en-AU" sz="2800" dirty="0"/>
-              <a:t>Need to install ‘terminal-table’ gem</a:t>
+              <a:t/>
+            </a:r>
+            <a:br>
+              <a:rPr lang="en-AU" sz="2800" dirty="0"/>
+            </a:br>
+            <a:r>
+              <a:rPr lang="en-AU" sz="2800" dirty="0"/>
+              <a:t> </a:t>
             </a:r>
           </a:p>
         </p:txBody>
@@ -3467,7 +3508,7 @@
     </p:spTree>
     <p:extLst>
       <p:ext uri="{BB962C8B-B14F-4D97-AF65-F5344CB8AC3E}">
-        <p14:creationId xmlns:p14="http://schemas.microsoft.com/office/powerpoint/2010/main" val="2273243620"/>
+        <p14:creationId xmlns:p14="http://schemas.microsoft.com/office/powerpoint/2010/main" val="68997354"/>
       </p:ext>
     </p:extLst>
   </p:cSld>
@@ -3499,7 +3540,7 @@
           <p:cNvPr id="2" name="Title 1">
             <a:extLst>
               <a:ext uri="{FF2B5EF4-FFF2-40B4-BE49-F238E27FC236}">
-                <a16:creationId xmlns="" xmlns:a16="http://schemas.microsoft.com/office/drawing/2014/main" id="{25788A04-8D3D-40BB-ACCE-661ADB19BE80}"/>
+                <a16:creationId xmlns="" xmlns:a16="http://schemas.microsoft.com/office/drawing/2014/main" id="{1E118303-EB12-4E60-AC63-F70BFC9CD066}"/>
               </a:ext>
             </a:extLst>
           </p:cNvPr>
@@ -3510,12 +3551,37 @@
             <p:ph type="title"/>
           </p:nvPr>
         </p:nvSpPr>
-        <p:spPr>
-          <a:xfrm>
-            <a:off x="913774" y="0"/>
-            <a:ext cx="10364451" cy="1596177"/>
-          </a:xfrm>
-        </p:spPr>
+        <p:spPr/>
+        <p:txBody>
+          <a:bodyPr>
+            <a:normAutofit fontScale="90000"/>
+          </a:bodyPr>
+          <a:lstStyle/>
+          <a:p>
+            <a:r>
+              <a:rPr lang="en-AU" sz="7200" dirty="0"/>
+              <a:t>Prerequisites</a:t>
+            </a:r>
+          </a:p>
+        </p:txBody>
+      </p:sp>
+      <p:sp>
+        <p:nvSpPr>
+          <p:cNvPr id="3" name="Content Placeholder 2">
+            <a:extLst>
+              <a:ext uri="{FF2B5EF4-FFF2-40B4-BE49-F238E27FC236}">
+                <a16:creationId xmlns="" xmlns:a16="http://schemas.microsoft.com/office/drawing/2014/main" id="{EC145A38-FEC7-43D7-AC36-DBFC25A5F973}"/>
+              </a:ext>
+            </a:extLst>
+          </p:cNvPr>
+          <p:cNvSpPr>
+            <a:spLocks noGrp="1"/>
+          </p:cNvSpPr>
+          <p:nvPr>
+            <p:ph idx="1"/>
+          </p:nvPr>
+        </p:nvSpPr>
+        <p:spPr/>
         <p:txBody>
           <a:bodyPr>
             <a:normAutofit/>
@@ -3523,76 +3589,30 @@
           <a:lstStyle/>
           <a:p>
             <a:r>
-              <a:rPr lang="en-AU" dirty="0" smtClean="0"/>
-              <a:t>Live Demo</a:t>
-            </a:r>
-            <a:endParaRPr lang="en-AU" sz="4400" dirty="0"/>
-          </a:p>
-        </p:txBody>
-      </p:sp>
-      <p:sp>
-        <p:nvSpPr>
-          <p:cNvPr id="4" name="Content Placeholder 3"/>
-          <p:cNvSpPr>
-            <a:spLocks noGrp="1"/>
-          </p:cNvSpPr>
-          <p:nvPr>
-            <p:ph idx="1"/>
-          </p:nvPr>
-        </p:nvSpPr>
-        <p:spPr/>
-        <p:txBody>
-          <a:bodyPr/>
-          <a:lstStyle/>
-          <a:p>
-            <a:r>
-              <a:rPr lang="en-US" dirty="0"/>
-              <a:t>S</a:t>
-            </a:r>
-            <a:r>
-              <a:rPr lang="en-US" dirty="0" smtClean="0"/>
-              <a:t>how the app</a:t>
-            </a:r>
-          </a:p>
-          <a:p>
-            <a:r>
-              <a:rPr lang="en-US" dirty="0" smtClean="0"/>
-              <a:t>S</a:t>
-            </a:r>
-            <a:r>
-              <a:rPr lang="en-US" dirty="0" smtClean="0"/>
-              <a:t>tring on sets</a:t>
-            </a:r>
-          </a:p>
-          <a:p>
-            <a:r>
-              <a:rPr lang="en-US" dirty="0" smtClean="0"/>
-              <a:t>S</a:t>
-            </a:r>
-            <a:r>
-              <a:rPr lang="en-US" dirty="0" smtClean="0"/>
-              <a:t>tring on weights</a:t>
-            </a:r>
-          </a:p>
-          <a:p>
-            <a:r>
-              <a:rPr lang="en-US" dirty="0" smtClean="0"/>
-              <a:t>S</a:t>
-            </a:r>
-            <a:r>
-              <a:rPr lang="en-US" dirty="0" smtClean="0"/>
-              <a:t>tring on reps</a:t>
-            </a:r>
-          </a:p>
-          <a:p>
-            <a:endParaRPr lang="en-US" dirty="0"/>
+              <a:rPr lang="en-AU" sz="2800" dirty="0"/>
+              <a:t>Fork and clone repository ‘https://github.com/markconanan/</a:t>
+            </a:r>
+            <a:r>
+              <a:rPr lang="en-AU" sz="2800" dirty="0" err="1"/>
+              <a:t>CA_Assessment</a:t>
+            </a:r>
+            <a:r>
+              <a:rPr lang="en-AU" sz="2800" dirty="0"/>
+              <a:t>’</a:t>
+            </a:r>
+          </a:p>
+          <a:p>
+            <a:r>
+              <a:rPr lang="en-AU" sz="2800" dirty="0"/>
+              <a:t>Need to install ‘terminal-table’ gem</a:t>
+            </a:r>
           </a:p>
         </p:txBody>
       </p:sp>
     </p:spTree>
     <p:extLst>
       <p:ext uri="{BB962C8B-B14F-4D97-AF65-F5344CB8AC3E}">
-        <p14:creationId xmlns:p14="http://schemas.microsoft.com/office/powerpoint/2010/main" val="2710925473"/>
+        <p14:creationId xmlns:p14="http://schemas.microsoft.com/office/powerpoint/2010/main" val="2273243620"/>
       </p:ext>
     </p:extLst>
   </p:cSld>
@@ -3621,7 +3641,13 @@
       </p:grpSpPr>
       <p:sp>
         <p:nvSpPr>
-          <p:cNvPr id="2" name="Title 1"/>
+          <p:cNvPr id="2" name="Title 1">
+            <a:extLst>
+              <a:ext uri="{FF2B5EF4-FFF2-40B4-BE49-F238E27FC236}">
+                <a16:creationId xmlns="" xmlns:a16="http://schemas.microsoft.com/office/drawing/2014/main" id="{25788A04-8D3D-40BB-ACCE-661ADB19BE80}"/>
+              </a:ext>
+            </a:extLst>
+          </p:cNvPr>
           <p:cNvSpPr>
             <a:spLocks noGrp="1"/>
           </p:cNvSpPr>
@@ -3629,22 +3655,29 @@
             <p:ph type="title"/>
           </p:nvPr>
         </p:nvSpPr>
-        <p:spPr/>
-        <p:txBody>
-          <a:bodyPr/>
-          <a:lstStyle/>
-          <a:p>
-            <a:r>
-              <a:rPr lang="en-US" dirty="0" smtClean="0"/>
-              <a:t>Code Dive</a:t>
-            </a:r>
-            <a:endParaRPr lang="en-US" dirty="0"/>
-          </a:p>
-        </p:txBody>
-      </p:sp>
-      <p:sp>
-        <p:nvSpPr>
-          <p:cNvPr id="3" name="Content Placeholder 2"/>
+        <p:spPr>
+          <a:xfrm>
+            <a:off x="913774" y="0"/>
+            <a:ext cx="10364451" cy="1596177"/>
+          </a:xfrm>
+        </p:spPr>
+        <p:txBody>
+          <a:bodyPr>
+            <a:normAutofit/>
+          </a:bodyPr>
+          <a:lstStyle/>
+          <a:p>
+            <a:r>
+              <a:rPr lang="en-AU" dirty="0" smtClean="0"/>
+              <a:t>Live Demo</a:t>
+            </a:r>
+            <a:endParaRPr lang="en-AU" sz="4400" dirty="0"/>
+          </a:p>
+        </p:txBody>
+      </p:sp>
+      <p:sp>
+        <p:nvSpPr>
+          <p:cNvPr id="4" name="Content Placeholder 3"/>
           <p:cNvSpPr>
             <a:spLocks noGrp="1"/>
           </p:cNvSpPr>
@@ -3664,7 +3697,7 @@
     </p:spTree>
     <p:extLst>
       <p:ext uri="{BB962C8B-B14F-4D97-AF65-F5344CB8AC3E}">
-        <p14:creationId xmlns:p14="http://schemas.microsoft.com/office/powerpoint/2010/main" val="1482184971"/>
+        <p14:creationId xmlns:p14="http://schemas.microsoft.com/office/powerpoint/2010/main" val="2710925473"/>
       </p:ext>
     </p:extLst>
   </p:cSld>
@@ -3708,6 +3741,78 @@
           <a:p>
             <a:r>
               <a:rPr lang="en-US" dirty="0" smtClean="0"/>
+              <a:t>Code Dive</a:t>
+            </a:r>
+            <a:endParaRPr lang="en-US" dirty="0"/>
+          </a:p>
+        </p:txBody>
+      </p:sp>
+      <p:sp>
+        <p:nvSpPr>
+          <p:cNvPr id="3" name="Content Placeholder 2"/>
+          <p:cNvSpPr>
+            <a:spLocks noGrp="1"/>
+          </p:cNvSpPr>
+          <p:nvPr>
+            <p:ph idx="1"/>
+          </p:nvPr>
+        </p:nvSpPr>
+        <p:spPr/>
+        <p:txBody>
+          <a:bodyPr/>
+          <a:lstStyle/>
+          <a:p>
+            <a:endParaRPr lang="en-US" dirty="0"/>
+          </a:p>
+        </p:txBody>
+      </p:sp>
+    </p:spTree>
+    <p:extLst>
+      <p:ext uri="{BB962C8B-B14F-4D97-AF65-F5344CB8AC3E}">
+        <p14:creationId xmlns:p14="http://schemas.microsoft.com/office/powerpoint/2010/main" val="1482184971"/>
+      </p:ext>
+    </p:extLst>
+  </p:cSld>
+  <p:clrMapOvr>
+    <a:masterClrMapping/>
+  </p:clrMapOvr>
+</p:sld>
+</file>
+
+<file path=ppt/slides/slide8.xml><?xml version="1.0" encoding="utf-8"?>
+<p:sld xmlns:a="http://schemas.openxmlformats.org/drawingml/2006/main" xmlns:r="http://schemas.openxmlformats.org/officeDocument/2006/relationships" xmlns:p="http://schemas.openxmlformats.org/presentationml/2006/main">
+  <p:cSld>
+    <p:spTree>
+      <p:nvGrpSpPr>
+        <p:cNvPr id="1" name=""/>
+        <p:cNvGrpSpPr/>
+        <p:nvPr/>
+      </p:nvGrpSpPr>
+      <p:grpSpPr>
+        <a:xfrm>
+          <a:off x="0" y="0"/>
+          <a:ext cx="0" cy="0"/>
+          <a:chOff x="0" y="0"/>
+          <a:chExt cx="0" cy="0"/>
+        </a:xfrm>
+      </p:grpSpPr>
+      <p:sp>
+        <p:nvSpPr>
+          <p:cNvPr id="2" name="Title 1"/>
+          <p:cNvSpPr>
+            <a:spLocks noGrp="1"/>
+          </p:cNvSpPr>
+          <p:nvPr>
+            <p:ph type="title"/>
+          </p:nvPr>
+        </p:nvSpPr>
+        <p:spPr/>
+        <p:txBody>
+          <a:bodyPr/>
+          <a:lstStyle/>
+          <a:p>
+            <a:r>
+              <a:rPr lang="en-US" dirty="0" smtClean="0"/>
               <a:t>Future Improvements</a:t>
             </a:r>
             <a:endParaRPr lang="en-US" dirty="0"/>
@@ -3731,31 +3836,54 @@
           <a:p>
             <a:r>
               <a:rPr lang="en-US" dirty="0" smtClean="0"/>
-              <a:t>Be able to save logs and store it into the application</a:t>
-            </a:r>
-          </a:p>
-          <a:p>
+              <a:t>Option </a:t>
+            </a:r>
             <a:r>
               <a:rPr lang="en-US" dirty="0" smtClean="0"/>
-              <a:t>Be able to correct mistakes after input (back option)</a:t>
-            </a:r>
+              <a:t>to view history at the start of the application or proceed with the workout. </a:t>
+            </a:r>
+            <a:r>
+              <a:rPr lang="en-US" dirty="0"/>
+              <a:t>The app has already been coded to save history logs.</a:t>
+            </a:r>
+            <a:endParaRPr lang="en-US" dirty="0" smtClean="0"/>
           </a:p>
           <a:p>
             <a:r>
               <a:rPr lang="en-US" dirty="0" smtClean="0"/>
-              <a:t>Be able to record cardio exercises (running/swimming)</a:t>
-            </a:r>
-          </a:p>
-          <a:p>
+              <a:t>Be </a:t>
+            </a:r>
             <a:r>
               <a:rPr lang="en-US" dirty="0" smtClean="0"/>
-              <a:t>Option to put weights in pounds for American users</a:t>
+              <a:t>able to record cardio exercises (running/swimming)</a:t>
             </a:r>
           </a:p>
           <a:p>
             <a:r>
               <a:rPr lang="en-US" dirty="0" smtClean="0"/>
-              <a:t>Have a list of exercises and definitions</a:t>
+              <a:t>Option to </a:t>
+            </a:r>
+            <a:r>
+              <a:rPr lang="en-US" dirty="0" smtClean="0"/>
+              <a:t>put</a:t>
+            </a:r>
+            <a:r>
+              <a:rPr lang="en-US" dirty="0" smtClean="0"/>
+              <a:t> </a:t>
+            </a:r>
+            <a:r>
+              <a:rPr lang="en-US" dirty="0" smtClean="0"/>
+              <a:t>weights in pounds for American users</a:t>
+            </a:r>
+          </a:p>
+          <a:p>
+            <a:r>
+              <a:rPr lang="en-US" dirty="0" smtClean="0"/>
+              <a:t>Have a list of exercises and </a:t>
+            </a:r>
+            <a:r>
+              <a:rPr lang="en-US" dirty="0" smtClean="0"/>
+              <a:t>definitions for reference in the app</a:t>
             </a:r>
             <a:endParaRPr lang="en-US" dirty="0"/>
           </a:p>
@@ -3781,101 +3909,6 @@
 </p:sld>
 </file>
 
-<file path=ppt/slides/slide8.xml><?xml version="1.0" encoding="utf-8"?>
-<p:sld xmlns:a="http://schemas.openxmlformats.org/drawingml/2006/main" xmlns:r="http://schemas.openxmlformats.org/officeDocument/2006/relationships" xmlns:p="http://schemas.openxmlformats.org/presentationml/2006/main">
-  <p:cSld>
-    <p:spTree>
-      <p:nvGrpSpPr>
-        <p:cNvPr id="1" name=""/>
-        <p:cNvGrpSpPr/>
-        <p:nvPr/>
-      </p:nvGrpSpPr>
-      <p:grpSpPr>
-        <a:xfrm>
-          <a:off x="0" y="0"/>
-          <a:ext cx="0" cy="0"/>
-          <a:chOff x="0" y="0"/>
-          <a:chExt cx="0" cy="0"/>
-        </a:xfrm>
-      </p:grpSpPr>
-      <p:sp>
-        <p:nvSpPr>
-          <p:cNvPr id="2" name="Title 1"/>
-          <p:cNvSpPr>
-            <a:spLocks noGrp="1"/>
-          </p:cNvSpPr>
-          <p:nvPr>
-            <p:ph type="title"/>
-          </p:nvPr>
-        </p:nvSpPr>
-        <p:spPr/>
-        <p:txBody>
-          <a:bodyPr/>
-          <a:lstStyle/>
-          <a:p>
-            <a:r>
-              <a:rPr lang="en-US" dirty="0" smtClean="0"/>
-              <a:t>Challenges</a:t>
-            </a:r>
-            <a:endParaRPr lang="en-US" dirty="0"/>
-          </a:p>
-        </p:txBody>
-      </p:sp>
-      <p:sp>
-        <p:nvSpPr>
-          <p:cNvPr id="3" name="Content Placeholder 2"/>
-          <p:cNvSpPr>
-            <a:spLocks noGrp="1"/>
-          </p:cNvSpPr>
-          <p:nvPr>
-            <p:ph idx="1"/>
-          </p:nvPr>
-        </p:nvSpPr>
-        <p:spPr/>
-        <p:txBody>
-          <a:bodyPr/>
-          <a:lstStyle/>
-          <a:p>
-            <a:r>
-              <a:rPr lang="en-US" dirty="0" smtClean="0"/>
-              <a:t>Error handling </a:t>
-            </a:r>
-          </a:p>
-          <a:p>
-            <a:pPr lvl="1"/>
-            <a:r>
-              <a:rPr lang="en-US" dirty="0" smtClean="0"/>
-              <a:t>Limiting input to integers and floats </a:t>
-            </a:r>
-          </a:p>
-          <a:p>
-            <a:r>
-              <a:rPr lang="en-US" dirty="0" smtClean="0"/>
-              <a:t>Automated testing</a:t>
-            </a:r>
-          </a:p>
-          <a:p>
-            <a:pPr lvl="1"/>
-            <a:r>
-              <a:rPr lang="en-US" dirty="0" smtClean="0"/>
-              <a:t>Instance variables</a:t>
-            </a:r>
-          </a:p>
-        </p:txBody>
-      </p:sp>
-    </p:spTree>
-    <p:extLst>
-      <p:ext uri="{BB962C8B-B14F-4D97-AF65-F5344CB8AC3E}">
-        <p14:creationId xmlns:p14="http://schemas.microsoft.com/office/powerpoint/2010/main" val="2256724009"/>
-      </p:ext>
-    </p:extLst>
-  </p:cSld>
-  <p:clrMapOvr>
-    <a:masterClrMapping/>
-  </p:clrMapOvr>
-</p:sld>
-</file>
-
 <file path=ppt/slides/slide9.xml><?xml version="1.0" encoding="utf-8"?>
 <p:sld xmlns:a="http://schemas.openxmlformats.org/drawingml/2006/main" xmlns:r="http://schemas.openxmlformats.org/officeDocument/2006/relationships" xmlns:p="http://schemas.openxmlformats.org/presentationml/2006/main">
   <p:cSld>
@@ -3909,10 +3942,10 @@
           <a:lstStyle/>
           <a:p>
             <a:r>
-              <a:rPr lang="en-US" smtClean="0"/>
-              <a:t>Any Questions</a:t>
-            </a:r>
-            <a:endParaRPr lang="en-US"/>
+              <a:rPr lang="en-US" dirty="0" smtClean="0"/>
+              <a:t>Challenges</a:t>
+            </a:r>
+            <a:endParaRPr lang="en-US" dirty="0"/>
           </a:p>
         </p:txBody>
       </p:sp>
@@ -3931,14 +3964,48 @@
           <a:bodyPr/>
           <a:lstStyle/>
           <a:p>
-            <a:endParaRPr lang="en-US"/>
+            <a:r>
+              <a:rPr lang="en-US" dirty="0" smtClean="0"/>
+              <a:t>Refactoring </a:t>
+            </a:r>
+            <a:r>
+              <a:rPr lang="mr-IN" dirty="0" smtClean="0"/>
+              <a:t>–</a:t>
+            </a:r>
+            <a:r>
+              <a:rPr lang="en-US" dirty="0" smtClean="0"/>
+              <a:t> Methods and Classes</a:t>
+            </a:r>
+          </a:p>
+          <a:p>
+            <a:r>
+              <a:rPr lang="en-US" dirty="0" smtClean="0"/>
+              <a:t>Error </a:t>
+            </a:r>
+            <a:r>
+              <a:rPr lang="en-US" dirty="0" smtClean="0"/>
+              <a:t>handling </a:t>
+            </a:r>
+          </a:p>
+          <a:p>
+            <a:r>
+              <a:rPr lang="en-US" dirty="0" smtClean="0"/>
+              <a:t>Automated testing</a:t>
+            </a:r>
+          </a:p>
+          <a:p>
+            <a:r>
+              <a:rPr lang="en-US" dirty="0" smtClean="0"/>
+              <a:t>Control flow</a:t>
+            </a:r>
+            <a:endParaRPr lang="en-US" dirty="0" smtClean="0"/>
           </a:p>
         </p:txBody>
       </p:sp>
     </p:spTree>
     <p:extLst>
       <p:ext uri="{BB962C8B-B14F-4D97-AF65-F5344CB8AC3E}">
-        <p14:creationId xmlns:p14="http://schemas.microsoft.com/office/powerpoint/2010/main" val="2288286935"/>
+        <p14:creationId xmlns:p14="http://schemas.microsoft.com/office/powerpoint/2010/main" val="2256724009"/>
       </p:ext>
     </p:extLst>
   </p:cSld>

--- a/ppt/Assignment_A1-1_Presentation.pptx
+++ b/ppt/Assignment_A1-1_Presentation.pptx
@@ -5,16 +5,20 @@
     <p:sldMasterId id="2147484005" r:id="rId1"/>
   </p:sldMasterIdLst>
   <p:sldIdLst>
-    <p:sldId id="265" r:id="rId2"/>
+    <p:sldId id="269" r:id="rId2"/>
     <p:sldId id="261" r:id="rId3"/>
-    <p:sldId id="256" r:id="rId4"/>
-    <p:sldId id="257" r:id="rId5"/>
-    <p:sldId id="258" r:id="rId6"/>
-    <p:sldId id="259" r:id="rId7"/>
-    <p:sldId id="263" r:id="rId8"/>
-    <p:sldId id="260" r:id="rId9"/>
-    <p:sldId id="262" r:id="rId10"/>
-    <p:sldId id="264" r:id="rId11"/>
+    <p:sldId id="268" r:id="rId4"/>
+    <p:sldId id="265" r:id="rId5"/>
+    <p:sldId id="256" r:id="rId6"/>
+    <p:sldId id="257" r:id="rId7"/>
+    <p:sldId id="258" r:id="rId8"/>
+    <p:sldId id="267" r:id="rId9"/>
+    <p:sldId id="266" r:id="rId10"/>
+    <p:sldId id="259" r:id="rId11"/>
+    <p:sldId id="263" r:id="rId12"/>
+    <p:sldId id="260" r:id="rId13"/>
+    <p:sldId id="262" r:id="rId14"/>
+    <p:sldId id="264" r:id="rId15"/>
   </p:sldIdLst>
   <p:sldSz cx="12192000" cy="6858000"/>
   <p:notesSz cx="6858000" cy="9144000"/>
@@ -3145,7 +3149,419 @@
     </p:spTree>
     <p:extLst>
       <p:ext uri="{BB962C8B-B14F-4D97-AF65-F5344CB8AC3E}">
-        <p14:creationId xmlns:p14="http://schemas.microsoft.com/office/powerpoint/2010/main" val="4276620706"/>
+        <p14:creationId xmlns:p14="http://schemas.microsoft.com/office/powerpoint/2010/main" val="3868349244"/>
+      </p:ext>
+    </p:extLst>
+  </p:cSld>
+  <p:clrMapOvr>
+    <a:masterClrMapping/>
+  </p:clrMapOvr>
+  <p:timing>
+    <p:tnLst>
+      <p:par>
+        <p:cTn xmlns:p14="http://schemas.microsoft.com/office/powerpoint/2010/main" id="1" dur="indefinite" restart="never" nodeType="tmRoot"/>
+      </p:par>
+    </p:tnLst>
+  </p:timing>
+</p:sld>
+</file>
+
+<file path=ppt/slides/slide10.xml><?xml version="1.0" encoding="utf-8"?>
+<p:sld xmlns:a="http://schemas.openxmlformats.org/drawingml/2006/main" xmlns:r="http://schemas.openxmlformats.org/officeDocument/2006/relationships" xmlns:p="http://schemas.openxmlformats.org/presentationml/2006/main">
+  <p:cSld>
+    <p:spTree>
+      <p:nvGrpSpPr>
+        <p:cNvPr id="1" name=""/>
+        <p:cNvGrpSpPr/>
+        <p:nvPr/>
+      </p:nvGrpSpPr>
+      <p:grpSpPr>
+        <a:xfrm>
+          <a:off x="0" y="0"/>
+          <a:ext cx="0" cy="0"/>
+          <a:chOff x="0" y="0"/>
+          <a:chExt cx="0" cy="0"/>
+        </a:xfrm>
+      </p:grpSpPr>
+      <p:sp>
+        <p:nvSpPr>
+          <p:cNvPr id="2" name="Title 1">
+            <a:extLst>
+              <a:ext uri="{FF2B5EF4-FFF2-40B4-BE49-F238E27FC236}">
+                <a16:creationId xmlns:a16="http://schemas.microsoft.com/office/drawing/2014/main" xmlns="" id="{25788A04-8D3D-40BB-ACCE-661ADB19BE80}"/>
+              </a:ext>
+            </a:extLst>
+          </p:cNvPr>
+          <p:cNvSpPr>
+            <a:spLocks noGrp="1"/>
+          </p:cNvSpPr>
+          <p:nvPr>
+            <p:ph type="title"/>
+          </p:nvPr>
+        </p:nvSpPr>
+        <p:spPr>
+          <a:xfrm>
+            <a:off x="913774" y="0"/>
+            <a:ext cx="10364451" cy="1596177"/>
+          </a:xfrm>
+        </p:spPr>
+        <p:txBody>
+          <a:bodyPr>
+            <a:normAutofit/>
+          </a:bodyPr>
+          <a:lstStyle/>
+          <a:p>
+            <a:r>
+              <a:rPr lang="en-AU" dirty="0" smtClean="0"/>
+              <a:t>Live Demo</a:t>
+            </a:r>
+            <a:endParaRPr lang="en-AU" sz="4400" dirty="0"/>
+          </a:p>
+        </p:txBody>
+      </p:sp>
+      <p:pic>
+        <p:nvPicPr>
+          <p:cNvPr id="3" name="Content Placeholder 2" descr="livedemo-1.png"/>
+          <p:cNvPicPr>
+            <a:picLocks noGrp="1" noChangeAspect="1"/>
+          </p:cNvPicPr>
+          <p:nvPr>
+            <p:ph idx="1"/>
+          </p:nvPr>
+        </p:nvPicPr>
+        <p:blipFill>
+          <a:blip r:embed="rId2">
+            <a:extLst>
+              <a:ext uri="{28A0092B-C50C-407E-A947-70E740481C1C}">
+                <a14:useLocalDpi xmlns:a14="http://schemas.microsoft.com/office/drawing/2010/main" val="0"/>
+              </a:ext>
+            </a:extLst>
+          </a:blip>
+          <a:srcRect t="13794" b="13794"/>
+          <a:stretch>
+            <a:fillRect/>
+          </a:stretch>
+        </p:blipFill>
+        <p:spPr/>
+      </p:pic>
+    </p:spTree>
+    <p:extLst>
+      <p:ext uri="{BB962C8B-B14F-4D97-AF65-F5344CB8AC3E}">
+        <p14:creationId xmlns:p14="http://schemas.microsoft.com/office/powerpoint/2010/main" val="2710925473"/>
+      </p:ext>
+    </p:extLst>
+  </p:cSld>
+  <p:clrMapOvr>
+    <a:masterClrMapping/>
+  </p:clrMapOvr>
+  <p:timing>
+    <p:tnLst>
+      <p:par>
+        <p:cTn xmlns:p14="http://schemas.microsoft.com/office/powerpoint/2010/main" id="1" dur="indefinite" restart="never" nodeType="tmRoot"/>
+      </p:par>
+    </p:tnLst>
+  </p:timing>
+</p:sld>
+</file>
+
+<file path=ppt/slides/slide11.xml><?xml version="1.0" encoding="utf-8"?>
+<p:sld xmlns:a="http://schemas.openxmlformats.org/drawingml/2006/main" xmlns:r="http://schemas.openxmlformats.org/officeDocument/2006/relationships" xmlns:p="http://schemas.openxmlformats.org/presentationml/2006/main">
+  <p:cSld>
+    <p:spTree>
+      <p:nvGrpSpPr>
+        <p:cNvPr id="1" name=""/>
+        <p:cNvGrpSpPr/>
+        <p:nvPr/>
+      </p:nvGrpSpPr>
+      <p:grpSpPr>
+        <a:xfrm>
+          <a:off x="0" y="0"/>
+          <a:ext cx="0" cy="0"/>
+          <a:chOff x="0" y="0"/>
+          <a:chExt cx="0" cy="0"/>
+        </a:xfrm>
+      </p:grpSpPr>
+      <p:sp>
+        <p:nvSpPr>
+          <p:cNvPr id="2" name="Title 1"/>
+          <p:cNvSpPr>
+            <a:spLocks noGrp="1"/>
+          </p:cNvSpPr>
+          <p:nvPr>
+            <p:ph type="title"/>
+          </p:nvPr>
+        </p:nvSpPr>
+        <p:spPr/>
+        <p:txBody>
+          <a:bodyPr/>
+          <a:lstStyle/>
+          <a:p>
+            <a:r>
+              <a:rPr lang="en-US" dirty="0" smtClean="0"/>
+              <a:t>Code </a:t>
+            </a:r>
+            <a:r>
+              <a:rPr lang="en-US" dirty="0" smtClean="0"/>
+              <a:t>Dive and Build Process</a:t>
+            </a:r>
+            <a:endParaRPr lang="en-US" dirty="0"/>
+          </a:p>
+        </p:txBody>
+      </p:sp>
+      <p:pic>
+        <p:nvPicPr>
+          <p:cNvPr id="4" name="Content Placeholder 3" descr="GA_Coding_2x.jpg"/>
+          <p:cNvPicPr>
+            <a:picLocks noGrp="1" noChangeAspect="1"/>
+          </p:cNvPicPr>
+          <p:nvPr>
+            <p:ph idx="1"/>
+          </p:nvPr>
+        </p:nvPicPr>
+        <p:blipFill>
+          <a:blip r:embed="rId2">
+            <a:extLst>
+              <a:ext uri="{28A0092B-C50C-407E-A947-70E740481C1C}">
+                <a14:useLocalDpi xmlns:a14="http://schemas.microsoft.com/office/drawing/2010/main" val="0"/>
+              </a:ext>
+            </a:extLst>
+          </a:blip>
+          <a:srcRect t="22532" b="22532"/>
+          <a:stretch>
+            <a:fillRect/>
+          </a:stretch>
+        </p:blipFill>
+        <p:spPr/>
+      </p:pic>
+    </p:spTree>
+    <p:extLst>
+      <p:ext uri="{BB962C8B-B14F-4D97-AF65-F5344CB8AC3E}">
+        <p14:creationId xmlns:p14="http://schemas.microsoft.com/office/powerpoint/2010/main" val="1482184971"/>
+      </p:ext>
+    </p:extLst>
+  </p:cSld>
+  <p:clrMapOvr>
+    <a:masterClrMapping/>
+  </p:clrMapOvr>
+  <p:timing>
+    <p:tnLst>
+      <p:par>
+        <p:cTn xmlns:p14="http://schemas.microsoft.com/office/powerpoint/2010/main" id="1" dur="indefinite" restart="never" nodeType="tmRoot"/>
+      </p:par>
+    </p:tnLst>
+  </p:timing>
+</p:sld>
+</file>
+
+<file path=ppt/slides/slide12.xml><?xml version="1.0" encoding="utf-8"?>
+<p:sld xmlns:a="http://schemas.openxmlformats.org/drawingml/2006/main" xmlns:r="http://schemas.openxmlformats.org/officeDocument/2006/relationships" xmlns:p="http://schemas.openxmlformats.org/presentationml/2006/main">
+  <p:cSld>
+    <p:spTree>
+      <p:nvGrpSpPr>
+        <p:cNvPr id="1" name=""/>
+        <p:cNvGrpSpPr/>
+        <p:nvPr/>
+      </p:nvGrpSpPr>
+      <p:grpSpPr>
+        <a:xfrm>
+          <a:off x="0" y="0"/>
+          <a:ext cx="0" cy="0"/>
+          <a:chOff x="0" y="0"/>
+          <a:chExt cx="0" cy="0"/>
+        </a:xfrm>
+      </p:grpSpPr>
+      <p:sp>
+        <p:nvSpPr>
+          <p:cNvPr id="2" name="Title 1"/>
+          <p:cNvSpPr>
+            <a:spLocks noGrp="1"/>
+          </p:cNvSpPr>
+          <p:nvPr>
+            <p:ph type="title"/>
+          </p:nvPr>
+        </p:nvSpPr>
+        <p:spPr/>
+        <p:txBody>
+          <a:bodyPr/>
+          <a:lstStyle/>
+          <a:p>
+            <a:r>
+              <a:rPr lang="en-US" dirty="0" smtClean="0"/>
+              <a:t>Future Improvements</a:t>
+            </a:r>
+            <a:endParaRPr lang="en-US" dirty="0"/>
+          </a:p>
+        </p:txBody>
+      </p:sp>
+      <p:sp>
+        <p:nvSpPr>
+          <p:cNvPr id="3" name="Content Placeholder 2"/>
+          <p:cNvSpPr>
+            <a:spLocks noGrp="1"/>
+          </p:cNvSpPr>
+          <p:nvPr>
+            <p:ph idx="1"/>
+          </p:nvPr>
+        </p:nvSpPr>
+        <p:spPr/>
+        <p:txBody>
+          <a:bodyPr/>
+          <a:lstStyle/>
+          <a:p>
+            <a:r>
+              <a:rPr lang="en-US" dirty="0" smtClean="0"/>
+              <a:t>Option to view history at the start of the application or proceed with the workout. </a:t>
+            </a:r>
+            <a:r>
+              <a:rPr lang="en-US" dirty="0"/>
+              <a:t>The app has already been coded to save history logs.</a:t>
+            </a:r>
+            <a:endParaRPr lang="en-US" dirty="0" smtClean="0"/>
+          </a:p>
+          <a:p>
+            <a:r>
+              <a:rPr lang="en-US" dirty="0" smtClean="0"/>
+              <a:t>Be able to record cardio exercises (running/swimming)</a:t>
+            </a:r>
+          </a:p>
+          <a:p>
+            <a:r>
+              <a:rPr lang="en-US" dirty="0" smtClean="0"/>
+              <a:t>Option to put weights in pounds for American users</a:t>
+            </a:r>
+          </a:p>
+          <a:p>
+            <a:r>
+              <a:rPr lang="en-US" dirty="0" smtClean="0"/>
+              <a:t>Have a list of exercises and definitions for reference in the app</a:t>
+            </a:r>
+            <a:endParaRPr lang="en-US" dirty="0"/>
+          </a:p>
+        </p:txBody>
+      </p:sp>
+    </p:spTree>
+    <p:extLst>
+      <p:ext uri="{BB962C8B-B14F-4D97-AF65-F5344CB8AC3E}">
+        <p14:creationId xmlns:p14="http://schemas.microsoft.com/office/powerpoint/2010/main" val="3658996651"/>
+      </p:ext>
+    </p:extLst>
+  </p:cSld>
+  <p:clrMapOvr>
+    <a:masterClrMapping/>
+  </p:clrMapOvr>
+  <p:timing>
+    <p:tnLst>
+      <p:par>
+        <p:cTn xmlns:p14="http://schemas.microsoft.com/office/powerpoint/2010/main" id="1" dur="indefinite" restart="never" nodeType="tmRoot"/>
+      </p:par>
+    </p:tnLst>
+  </p:timing>
+</p:sld>
+</file>
+
+<file path=ppt/slides/slide13.xml><?xml version="1.0" encoding="utf-8"?>
+<p:sld xmlns:a="http://schemas.openxmlformats.org/drawingml/2006/main" xmlns:r="http://schemas.openxmlformats.org/officeDocument/2006/relationships" xmlns:p="http://schemas.openxmlformats.org/presentationml/2006/main">
+  <p:cSld>
+    <p:spTree>
+      <p:nvGrpSpPr>
+        <p:cNvPr id="1" name=""/>
+        <p:cNvGrpSpPr/>
+        <p:nvPr/>
+      </p:nvGrpSpPr>
+      <p:grpSpPr>
+        <a:xfrm>
+          <a:off x="0" y="0"/>
+          <a:ext cx="0" cy="0"/>
+          <a:chOff x="0" y="0"/>
+          <a:chExt cx="0" cy="0"/>
+        </a:xfrm>
+      </p:grpSpPr>
+      <p:sp>
+        <p:nvSpPr>
+          <p:cNvPr id="2" name="Title 1"/>
+          <p:cNvSpPr>
+            <a:spLocks noGrp="1"/>
+          </p:cNvSpPr>
+          <p:nvPr>
+            <p:ph type="title"/>
+          </p:nvPr>
+        </p:nvSpPr>
+        <p:spPr/>
+        <p:txBody>
+          <a:bodyPr/>
+          <a:lstStyle/>
+          <a:p>
+            <a:r>
+              <a:rPr lang="en-US" dirty="0" smtClean="0"/>
+              <a:t>Challenges</a:t>
+            </a:r>
+            <a:endParaRPr lang="en-US" dirty="0"/>
+          </a:p>
+        </p:txBody>
+      </p:sp>
+      <p:sp>
+        <p:nvSpPr>
+          <p:cNvPr id="3" name="Content Placeholder 2"/>
+          <p:cNvSpPr>
+            <a:spLocks noGrp="1"/>
+          </p:cNvSpPr>
+          <p:nvPr>
+            <p:ph idx="1"/>
+          </p:nvPr>
+        </p:nvSpPr>
+        <p:spPr/>
+        <p:txBody>
+          <a:bodyPr/>
+          <a:lstStyle/>
+          <a:p>
+            <a:r>
+              <a:rPr lang="en-US" dirty="0" smtClean="0"/>
+              <a:t>Refactoring </a:t>
+            </a:r>
+            <a:r>
+              <a:rPr lang="mr-IN" dirty="0" smtClean="0"/>
+              <a:t>–</a:t>
+            </a:r>
+            <a:r>
+              <a:rPr lang="en-US" dirty="0" smtClean="0"/>
+              <a:t> Methods and </a:t>
+            </a:r>
+            <a:r>
+              <a:rPr lang="en-US" dirty="0" smtClean="0"/>
+              <a:t>Classes</a:t>
+            </a:r>
+          </a:p>
+          <a:p>
+            <a:r>
+              <a:rPr lang="en-US" dirty="0" smtClean="0"/>
+              <a:t>Isolation</a:t>
+            </a:r>
+            <a:endParaRPr lang="en-US" dirty="0" smtClean="0"/>
+          </a:p>
+          <a:p>
+            <a:r>
+              <a:rPr lang="en-US" dirty="0" smtClean="0"/>
+              <a:t>Error handling </a:t>
+            </a:r>
+          </a:p>
+          <a:p>
+            <a:r>
+              <a:rPr lang="en-US" dirty="0" smtClean="0"/>
+              <a:t>Automated testing</a:t>
+            </a:r>
+          </a:p>
+          <a:p>
+            <a:r>
+              <a:rPr lang="en-US" dirty="0" smtClean="0"/>
+              <a:t>Control flow</a:t>
+            </a:r>
+          </a:p>
+        </p:txBody>
+      </p:sp>
+    </p:spTree>
+    <p:extLst>
+      <p:ext uri="{BB962C8B-B14F-4D97-AF65-F5344CB8AC3E}">
+        <p14:creationId xmlns:p14="http://schemas.microsoft.com/office/powerpoint/2010/main" val="2256724009"/>
       </p:ext>
     </p:extLst>
   </p:cSld>
@@ -3155,7 +3571,7 @@
 </p:sld>
 </file>
 
-<file path=ppt/slides/slide10.xml><?xml version="1.0" encoding="utf-8"?>
+<file path=ppt/slides/slide14.xml><?xml version="1.0" encoding="utf-8"?>
 <p:sld xmlns:a="http://schemas.openxmlformats.org/drawingml/2006/main" xmlns:r="http://schemas.openxmlformats.org/officeDocument/2006/relationships" xmlns:p="http://schemas.openxmlformats.org/presentationml/2006/main">
   <p:cSld>
     <p:spTree>
@@ -3284,6 +3700,13 @@
   <p:clrMapOvr>
     <a:masterClrMapping/>
   </p:clrMapOvr>
+  <p:timing>
+    <p:tnLst>
+      <p:par>
+        <p:cTn xmlns:p14="http://schemas.microsoft.com/office/powerpoint/2010/main" id="1" dur="indefinite" restart="never" nodeType="tmRoot"/>
+      </p:par>
+    </p:tnLst>
+  </p:timing>
 </p:sld>
 </file>
 
@@ -3306,91 +3729,89 @@
       </p:grpSpPr>
       <p:sp>
         <p:nvSpPr>
-          <p:cNvPr id="2" name="Title 1">
+          <p:cNvPr id="2" name="Title 1"/>
+          <p:cNvSpPr>
+            <a:spLocks noGrp="1"/>
+          </p:cNvSpPr>
+          <p:nvPr>
+            <p:ph type="title"/>
+          </p:nvPr>
+        </p:nvSpPr>
+        <p:spPr/>
+        <p:txBody>
+          <a:bodyPr/>
+          <a:lstStyle/>
+          <a:p>
+            <a:endParaRPr lang="en-US"/>
+          </a:p>
+        </p:txBody>
+      </p:sp>
+      <p:sp>
+        <p:nvSpPr>
+          <p:cNvPr id="3" name="Content Placeholder 2"/>
+          <p:cNvSpPr>
+            <a:spLocks noGrp="1"/>
+          </p:cNvSpPr>
+          <p:nvPr>
+            <p:ph idx="1"/>
+          </p:nvPr>
+        </p:nvSpPr>
+        <p:spPr/>
+        <p:txBody>
+          <a:bodyPr/>
+          <a:lstStyle/>
+          <a:p>
+            <a:endParaRPr lang="en-US" dirty="0"/>
+          </a:p>
+        </p:txBody>
+      </p:sp>
+      <p:pic>
+        <p:nvPicPr>
+          <p:cNvPr id="4" name="Picture 3" descr="cartoon-people-workout-exercise-in-gym-background-vector-17445320.jpg"/>
+          <p:cNvPicPr>
+            <a:picLocks noChangeAspect="1"/>
+          </p:cNvPicPr>
+          <p:nvPr/>
+        </p:nvPicPr>
+        <p:blipFill>
+          <a:blip r:embed="rId2">
             <a:extLst>
-              <a:ext uri="{FF2B5EF4-FFF2-40B4-BE49-F238E27FC236}">
-                <a16:creationId xmlns="" xmlns:a16="http://schemas.microsoft.com/office/drawing/2014/main" id="{8F5451DC-123F-4B99-AADD-9B976F5E8DE6}"/>
+              <a:ext uri="{28A0092B-C50C-407E-A947-70E740481C1C}">
+                <a14:useLocalDpi xmlns:a14="http://schemas.microsoft.com/office/drawing/2010/main" val="0"/>
               </a:ext>
             </a:extLst>
-          </p:cNvPr>
-          <p:cNvSpPr>
-            <a:spLocks noGrp="1"/>
-          </p:cNvSpPr>
-          <p:nvPr>
-            <p:ph type="ctrTitle"/>
-          </p:nvPr>
-        </p:nvSpPr>
+          </a:blip>
+          <a:stretch>
+            <a:fillRect/>
+          </a:stretch>
+        </p:blipFill>
         <p:spPr>
           <a:xfrm>
-            <a:off x="1751012" y="1320800"/>
-            <a:ext cx="8689976" cy="2489198"/>
+            <a:off x="2138874" y="447589"/>
+            <a:ext cx="7803549" cy="5825507"/>
           </a:xfrm>
+          <a:prstGeom prst="rect">
+            <a:avLst/>
+          </a:prstGeom>
         </p:spPr>
-        <p:txBody>
-          <a:bodyPr>
-            <a:normAutofit/>
-          </a:bodyPr>
-          <a:lstStyle/>
-          <a:p>
-            <a:r>
-              <a:rPr lang="en-AU" sz="7200" dirty="0"/>
-              <a:t>Exercise Log App</a:t>
-            </a:r>
-          </a:p>
-        </p:txBody>
-      </p:sp>
-      <p:sp>
-        <p:nvSpPr>
-          <p:cNvPr id="3" name="Subtitle 2">
-            <a:extLst>
-              <a:ext uri="{FF2B5EF4-FFF2-40B4-BE49-F238E27FC236}">
-                <a16:creationId xmlns="" xmlns:a16="http://schemas.microsoft.com/office/drawing/2014/main" id="{DFE00943-9AFC-4A15-B898-4ED3EB920C7B}"/>
-              </a:ext>
-            </a:extLst>
-          </p:cNvPr>
-          <p:cNvSpPr>
-            <a:spLocks noGrp="1"/>
-          </p:cNvSpPr>
-          <p:nvPr>
-            <p:ph type="subTitle" idx="1"/>
-          </p:nvPr>
-        </p:nvSpPr>
-        <p:spPr/>
-        <p:txBody>
-          <a:bodyPr>
-            <a:normAutofit/>
-          </a:bodyPr>
-          <a:lstStyle/>
-          <a:p>
-            <a:r>
-              <a:rPr lang="en-AU" sz="2800" dirty="0" smtClean="0"/>
-              <a:t>Developed by </a:t>
-            </a:r>
-            <a:r>
-              <a:rPr lang="en-AU" sz="2800" dirty="0"/>
-              <a:t>Mark </a:t>
-            </a:r>
-            <a:r>
-              <a:rPr lang="en-AU" sz="2800" dirty="0" err="1"/>
-              <a:t>Conanan</a:t>
-            </a:r>
-            <a:r>
-              <a:rPr lang="en-AU" sz="2800" dirty="0"/>
-              <a:t> and Thanh Dao</a:t>
-            </a:r>
-          </a:p>
-        </p:txBody>
-      </p:sp>
+      </p:pic>
     </p:spTree>
     <p:extLst>
       <p:ext uri="{BB962C8B-B14F-4D97-AF65-F5344CB8AC3E}">
-        <p14:creationId xmlns:p14="http://schemas.microsoft.com/office/powerpoint/2010/main" val="2611525835"/>
+        <p14:creationId xmlns:p14="http://schemas.microsoft.com/office/powerpoint/2010/main" val="346424008"/>
       </p:ext>
     </p:extLst>
   </p:cSld>
   <p:clrMapOvr>
     <a:masterClrMapping/>
   </p:clrMapOvr>
+  <p:timing>
+    <p:tnLst>
+      <p:par>
+        <p:cTn xmlns:p14="http://schemas.microsoft.com/office/powerpoint/2010/main" id="1" dur="indefinite" restart="never" nodeType="tmRoot"/>
+      </p:par>
+    </p:tnLst>
+  </p:timing>
 </p:sld>
 </file>
 
@@ -3413,108 +3834,89 @@
       </p:grpSpPr>
       <p:sp>
         <p:nvSpPr>
-          <p:cNvPr id="2" name="Title 1">
+          <p:cNvPr id="2" name="Title 1"/>
+          <p:cNvSpPr>
+            <a:spLocks noGrp="1"/>
+          </p:cNvSpPr>
+          <p:nvPr>
+            <p:ph type="ctrTitle"/>
+          </p:nvPr>
+        </p:nvSpPr>
+        <p:spPr/>
+        <p:txBody>
+          <a:bodyPr/>
+          <a:lstStyle/>
+          <a:p>
+            <a:endParaRPr lang="en-US"/>
+          </a:p>
+        </p:txBody>
+      </p:sp>
+      <p:sp>
+        <p:nvSpPr>
+          <p:cNvPr id="3" name="Subtitle 2"/>
+          <p:cNvSpPr>
+            <a:spLocks noGrp="1"/>
+          </p:cNvSpPr>
+          <p:nvPr>
+            <p:ph type="subTitle" idx="1"/>
+          </p:nvPr>
+        </p:nvSpPr>
+        <p:spPr/>
+        <p:txBody>
+          <a:bodyPr/>
+          <a:lstStyle/>
+          <a:p>
+            <a:endParaRPr lang="en-US"/>
+          </a:p>
+        </p:txBody>
+      </p:sp>
+      <p:pic>
+        <p:nvPicPr>
+          <p:cNvPr id="5" name="Picture 4" descr="Keeping-an-exercise-log.jpeg"/>
+          <p:cNvPicPr>
+            <a:picLocks noChangeAspect="1"/>
+          </p:cNvPicPr>
+          <p:nvPr/>
+        </p:nvPicPr>
+        <p:blipFill>
+          <a:blip r:embed="rId2" cstate="print">
             <a:extLst>
-              <a:ext uri="{FF2B5EF4-FFF2-40B4-BE49-F238E27FC236}">
-                <a16:creationId xmlns="" xmlns:a16="http://schemas.microsoft.com/office/drawing/2014/main" id="{FBDF1499-9B27-4AD3-8696-4CF5318FB7EC}"/>
+              <a:ext uri="{28A0092B-C50C-407E-A947-70E740481C1C}">
+                <a14:useLocalDpi xmlns:a14="http://schemas.microsoft.com/office/drawing/2010/main" val="0"/>
               </a:ext>
             </a:extLst>
-          </p:cNvPr>
-          <p:cNvSpPr>
-            <a:spLocks noGrp="1"/>
-          </p:cNvSpPr>
-          <p:nvPr>
-            <p:ph type="title"/>
-          </p:nvPr>
-        </p:nvSpPr>
+          </a:blip>
+          <a:stretch>
+            <a:fillRect/>
+          </a:stretch>
+        </p:blipFill>
         <p:spPr>
           <a:xfrm>
-            <a:off x="913776" y="175172"/>
-            <a:ext cx="10364451" cy="1596177"/>
+            <a:off x="969841" y="0"/>
+            <a:ext cx="10286402" cy="6858000"/>
           </a:xfrm>
+          <a:prstGeom prst="rect">
+            <a:avLst/>
+          </a:prstGeom>
         </p:spPr>
-        <p:txBody>
-          <a:bodyPr/>
-          <a:lstStyle/>
-          <a:p>
-            <a:r>
-              <a:rPr lang="en-AU" sz="7200" dirty="0"/>
-              <a:t>Purpose</a:t>
-            </a:r>
-            <a:r>
-              <a:rPr lang="en-AU" dirty="0"/>
-              <a:t> </a:t>
-            </a:r>
-          </a:p>
-        </p:txBody>
-      </p:sp>
-      <p:sp>
-        <p:nvSpPr>
-          <p:cNvPr id="3" name="Content Placeholder 2">
-            <a:extLst>
-              <a:ext uri="{FF2B5EF4-FFF2-40B4-BE49-F238E27FC236}">
-                <a16:creationId xmlns="" xmlns:a16="http://schemas.microsoft.com/office/drawing/2014/main" id="{A585A246-4F93-4300-8905-CB2332A411EA}"/>
-              </a:ext>
-            </a:extLst>
-          </p:cNvPr>
-          <p:cNvSpPr>
-            <a:spLocks noGrp="1"/>
-          </p:cNvSpPr>
-          <p:nvPr>
-            <p:ph idx="1"/>
-          </p:nvPr>
-        </p:nvSpPr>
-        <p:spPr/>
-        <p:txBody>
-          <a:bodyPr>
-            <a:noAutofit/>
-          </a:bodyPr>
-          <a:lstStyle/>
-          <a:p>
-            <a:r>
-              <a:rPr lang="en-AU" sz="2800" dirty="0"/>
-              <a:t>To track the progress of the user during a workout in a easy to read table</a:t>
-            </a:r>
-          </a:p>
-          <a:p>
-            <a:r>
-              <a:rPr lang="en-AU" sz="2800" dirty="0"/>
-              <a:t>To encourage people </a:t>
-            </a:r>
-            <a:r>
-              <a:rPr lang="en-AU" sz="2800" dirty="0" smtClean="0"/>
-              <a:t>during their workout</a:t>
-            </a:r>
-            <a:endParaRPr lang="en-AU" sz="2800" dirty="0"/>
-          </a:p>
-          <a:p>
-            <a:pPr marL="0" indent="0">
-              <a:buNone/>
-            </a:pPr>
-            <a:r>
-              <a:rPr lang="en-AU" sz="2800" dirty="0"/>
-              <a:t/>
-            </a:r>
-            <a:br>
-              <a:rPr lang="en-AU" sz="2800" dirty="0"/>
-            </a:br>
-            <a:r>
-              <a:rPr lang="en-AU" sz="2800" dirty="0"/>
-              <a:t> </a:t>
-            </a:r>
-          </a:p>
-        </p:txBody>
-      </p:sp>
+      </p:pic>
     </p:spTree>
     <p:extLst>
       <p:ext uri="{BB962C8B-B14F-4D97-AF65-F5344CB8AC3E}">
-        <p14:creationId xmlns:p14="http://schemas.microsoft.com/office/powerpoint/2010/main" val="68997354"/>
+        <p14:creationId xmlns:p14="http://schemas.microsoft.com/office/powerpoint/2010/main" val="4276620706"/>
       </p:ext>
     </p:extLst>
   </p:cSld>
   <p:clrMapOvr>
     <a:masterClrMapping/>
   </p:clrMapOvr>
+  <p:timing>
+    <p:tnLst>
+      <p:par>
+        <p:cTn xmlns:p14="http://schemas.microsoft.com/office/powerpoint/2010/main" id="1" dur="indefinite" restart="never" nodeType="tmRoot"/>
+      </p:par>
+    </p:tnLst>
+  </p:timing>
 </p:sld>
 </file>
 
@@ -3540,7 +3942,7 @@
           <p:cNvPr id="2" name="Title 1">
             <a:extLst>
               <a:ext uri="{FF2B5EF4-FFF2-40B4-BE49-F238E27FC236}">
-                <a16:creationId xmlns="" xmlns:a16="http://schemas.microsoft.com/office/drawing/2014/main" id="{1E118303-EB12-4E60-AC63-F70BFC9CD066}"/>
+                <a16:creationId xmlns:a16="http://schemas.microsoft.com/office/drawing/2014/main" xmlns="" id="{8F5451DC-123F-4B99-AADD-9B976F5E8DE6}"/>
               </a:ext>
             </a:extLst>
           </p:cNvPr>
@@ -3548,29 +3950,34 @@
             <a:spLocks noGrp="1"/>
           </p:cNvSpPr>
           <p:nvPr>
-            <p:ph type="title"/>
-          </p:nvPr>
-        </p:nvSpPr>
-        <p:spPr/>
+            <p:ph type="ctrTitle"/>
+          </p:nvPr>
+        </p:nvSpPr>
+        <p:spPr>
+          <a:xfrm>
+            <a:off x="1751012" y="1320800"/>
+            <a:ext cx="8689976" cy="2489198"/>
+          </a:xfrm>
+        </p:spPr>
         <p:txBody>
           <a:bodyPr>
-            <a:normAutofit fontScale="90000"/>
+            <a:normAutofit/>
           </a:bodyPr>
           <a:lstStyle/>
           <a:p>
             <a:r>
               <a:rPr lang="en-AU" sz="7200" dirty="0"/>
-              <a:t>Prerequisites</a:t>
-            </a:r>
-          </a:p>
-        </p:txBody>
-      </p:sp>
-      <p:sp>
-        <p:nvSpPr>
-          <p:cNvPr id="3" name="Content Placeholder 2">
+              <a:t>Exercise Log App</a:t>
+            </a:r>
+          </a:p>
+        </p:txBody>
+      </p:sp>
+      <p:sp>
+        <p:nvSpPr>
+          <p:cNvPr id="3" name="Subtitle 2">
             <a:extLst>
               <a:ext uri="{FF2B5EF4-FFF2-40B4-BE49-F238E27FC236}">
-                <a16:creationId xmlns="" xmlns:a16="http://schemas.microsoft.com/office/drawing/2014/main" id="{EC145A38-FEC7-43D7-AC36-DBFC25A5F973}"/>
+                <a16:creationId xmlns:a16="http://schemas.microsoft.com/office/drawing/2014/main" xmlns="" id="{DFE00943-9AFC-4A15-B898-4ED3EB920C7B}"/>
               </a:ext>
             </a:extLst>
           </p:cNvPr>
@@ -3578,7 +3985,7 @@
             <a:spLocks noGrp="1"/>
           </p:cNvSpPr>
           <p:nvPr>
-            <p:ph idx="1"/>
+            <p:ph type="subTitle" idx="1"/>
           </p:nvPr>
         </p:nvSpPr>
         <p:spPr/>
@@ -3589,22 +3996,20 @@
           <a:lstStyle/>
           <a:p>
             <a:r>
+              <a:rPr lang="en-AU" sz="2800" dirty="0" smtClean="0"/>
+              <a:t>Developed by </a:t>
+            </a:r>
+            <a:r>
               <a:rPr lang="en-AU" sz="2800" dirty="0"/>
-              <a:t>Fork and clone repository ‘https://github.com/markconanan/</a:t>
+              <a:t>Mark </a:t>
             </a:r>
             <a:r>
               <a:rPr lang="en-AU" sz="2800" dirty="0" err="1"/>
-              <a:t>CA_Assessment</a:t>
+              <a:t>Conanan</a:t>
             </a:r>
             <a:r>
               <a:rPr lang="en-AU" sz="2800" dirty="0"/>
-              <a:t>’</a:t>
-            </a:r>
-          </a:p>
-          <a:p>
-            <a:r>
-              <a:rPr lang="en-AU" sz="2800" dirty="0"/>
-              <a:t>Need to install ‘terminal-table’ gem</a:t>
+              <a:t> and Thanh Dao</a:t>
             </a:r>
           </a:p>
         </p:txBody>
@@ -3612,13 +4017,20 @@
     </p:spTree>
     <p:extLst>
       <p:ext uri="{BB962C8B-B14F-4D97-AF65-F5344CB8AC3E}">
-        <p14:creationId xmlns:p14="http://schemas.microsoft.com/office/powerpoint/2010/main" val="2273243620"/>
+        <p14:creationId xmlns:p14="http://schemas.microsoft.com/office/powerpoint/2010/main" val="2611525835"/>
       </p:ext>
     </p:extLst>
   </p:cSld>
   <p:clrMapOvr>
     <a:masterClrMapping/>
   </p:clrMapOvr>
+  <p:timing>
+    <p:tnLst>
+      <p:par>
+        <p:cTn xmlns:p14="http://schemas.microsoft.com/office/powerpoint/2010/main" id="1" dur="indefinite" restart="never" nodeType="tmRoot"/>
+      </p:par>
+    </p:tnLst>
+  </p:timing>
 </p:sld>
 </file>
 
@@ -3644,7 +4056,7 @@
           <p:cNvPr id="2" name="Title 1">
             <a:extLst>
               <a:ext uri="{FF2B5EF4-FFF2-40B4-BE49-F238E27FC236}">
-                <a16:creationId xmlns="" xmlns:a16="http://schemas.microsoft.com/office/drawing/2014/main" id="{25788A04-8D3D-40BB-ACCE-661ADB19BE80}"/>
+                <a16:creationId xmlns:a16="http://schemas.microsoft.com/office/drawing/2014/main" xmlns="" id="{FBDF1499-9B27-4AD3-8696-4CF5318FB7EC}"/>
               </a:ext>
             </a:extLst>
           </p:cNvPr>
@@ -3657,53 +4069,129 @@
         </p:nvSpPr>
         <p:spPr>
           <a:xfrm>
-            <a:off x="913774" y="0"/>
+            <a:off x="913776" y="175172"/>
             <a:ext cx="10364451" cy="1596177"/>
           </a:xfrm>
         </p:spPr>
         <p:txBody>
+          <a:bodyPr/>
+          <a:lstStyle/>
+          <a:p>
+            <a:r>
+              <a:rPr lang="en-AU" sz="7200" dirty="0"/>
+              <a:t>Purpose</a:t>
+            </a:r>
+            <a:r>
+              <a:rPr lang="en-AU" dirty="0"/>
+              <a:t> </a:t>
+            </a:r>
+          </a:p>
+        </p:txBody>
+      </p:sp>
+      <p:sp>
+        <p:nvSpPr>
+          <p:cNvPr id="3" name="Content Placeholder 2">
+            <a:extLst>
+              <a:ext uri="{FF2B5EF4-FFF2-40B4-BE49-F238E27FC236}">
+                <a16:creationId xmlns:a16="http://schemas.microsoft.com/office/drawing/2014/main" xmlns="" id="{A585A246-4F93-4300-8905-CB2332A411EA}"/>
+              </a:ext>
+            </a:extLst>
+          </p:cNvPr>
+          <p:cNvSpPr>
+            <a:spLocks noGrp="1"/>
+          </p:cNvSpPr>
+          <p:nvPr>
+            <p:ph idx="1"/>
+          </p:nvPr>
+        </p:nvSpPr>
+        <p:spPr/>
+        <p:txBody>
           <a:bodyPr>
-            <a:normAutofit/>
+            <a:noAutofit/>
           </a:bodyPr>
           <a:lstStyle/>
           <a:p>
             <a:r>
-              <a:rPr lang="en-AU" dirty="0" smtClean="0"/>
-              <a:t>Live Demo</a:t>
-            </a:r>
-            <a:endParaRPr lang="en-AU" sz="4400" dirty="0"/>
-          </a:p>
-        </p:txBody>
-      </p:sp>
-      <p:sp>
-        <p:nvSpPr>
-          <p:cNvPr id="4" name="Content Placeholder 3"/>
-          <p:cNvSpPr>
-            <a:spLocks noGrp="1"/>
-          </p:cNvSpPr>
-          <p:nvPr>
-            <p:ph idx="1"/>
-          </p:nvPr>
-        </p:nvSpPr>
-        <p:spPr/>
-        <p:txBody>
-          <a:bodyPr/>
-          <a:lstStyle/>
-          <a:p>
-            <a:endParaRPr lang="en-US" dirty="0"/>
-          </a:p>
-        </p:txBody>
-      </p:sp>
+              <a:rPr lang="en-AU" sz="2800" dirty="0"/>
+              <a:t>To track the progress of the user during a workout in a easy to read table</a:t>
+            </a:r>
+          </a:p>
+          <a:p>
+            <a:r>
+              <a:rPr lang="en-AU" sz="2800" dirty="0"/>
+              <a:t>To encourage people </a:t>
+            </a:r>
+            <a:r>
+              <a:rPr lang="en-AU" sz="2800" dirty="0" smtClean="0"/>
+              <a:t>during their workout</a:t>
+            </a:r>
+            <a:endParaRPr lang="en-AU" sz="2800" dirty="0"/>
+          </a:p>
+          <a:p>
+            <a:pPr marL="0" indent="0">
+              <a:buNone/>
+            </a:pPr>
+            <a:r>
+              <a:rPr lang="en-AU" sz="2800" dirty="0"/>
+              <a:t/>
+            </a:r>
+            <a:br>
+              <a:rPr lang="en-AU" sz="2800" dirty="0"/>
+            </a:br>
+            <a:r>
+              <a:rPr lang="en-AU" sz="2800" dirty="0"/>
+              <a:t> </a:t>
+            </a:r>
+          </a:p>
+        </p:txBody>
+      </p:sp>
+      <p:pic>
+        <p:nvPicPr>
+          <p:cNvPr id="4" name="Picture 3" descr="Purpose.jpg"/>
+          <p:cNvPicPr>
+            <a:picLocks noChangeAspect="1"/>
+          </p:cNvPicPr>
+          <p:nvPr/>
+        </p:nvPicPr>
+        <p:blipFill>
+          <a:blip r:embed="rId2">
+            <a:extLst>
+              <a:ext uri="{28A0092B-C50C-407E-A947-70E740481C1C}">
+                <a14:useLocalDpi xmlns:a14="http://schemas.microsoft.com/office/drawing/2010/main" val="0"/>
+              </a:ext>
+            </a:extLst>
+          </a:blip>
+          <a:stretch>
+            <a:fillRect/>
+          </a:stretch>
+        </p:blipFill>
+        <p:spPr>
+          <a:xfrm>
+            <a:off x="4404836" y="3316986"/>
+            <a:ext cx="4324350" cy="2590800"/>
+          </a:xfrm>
+          <a:prstGeom prst="rect">
+            <a:avLst/>
+          </a:prstGeom>
+        </p:spPr>
+      </p:pic>
     </p:spTree>
     <p:extLst>
       <p:ext uri="{BB962C8B-B14F-4D97-AF65-F5344CB8AC3E}">
-        <p14:creationId xmlns:p14="http://schemas.microsoft.com/office/powerpoint/2010/main" val="2710925473"/>
+        <p14:creationId xmlns:p14="http://schemas.microsoft.com/office/powerpoint/2010/main" val="68997354"/>
       </p:ext>
     </p:extLst>
   </p:cSld>
   <p:clrMapOvr>
     <a:masterClrMapping/>
   </p:clrMapOvr>
+  <p:timing>
+    <p:tnLst>
+      <p:par>
+        <p:cTn xmlns:p14="http://schemas.microsoft.com/office/powerpoint/2010/main" id="1" dur="indefinite" restart="never" nodeType="tmRoot"/>
+      </p:par>
+    </p:tnLst>
+  </p:timing>
 </p:sld>
 </file>
 
@@ -3726,7 +4214,13 @@
       </p:grpSpPr>
       <p:sp>
         <p:nvSpPr>
-          <p:cNvPr id="2" name="Title 1"/>
+          <p:cNvPr id="2" name="Title 1">
+            <a:extLst>
+              <a:ext uri="{FF2B5EF4-FFF2-40B4-BE49-F238E27FC236}">
+                <a16:creationId xmlns:a16="http://schemas.microsoft.com/office/drawing/2014/main" xmlns="" id="{1E118303-EB12-4E60-AC63-F70BFC9CD066}"/>
+              </a:ext>
+            </a:extLst>
+          </p:cNvPr>
           <p:cNvSpPr>
             <a:spLocks noGrp="1"/>
           </p:cNvSpPr>
@@ -3736,20 +4230,28 @@
         </p:nvSpPr>
         <p:spPr/>
         <p:txBody>
-          <a:bodyPr/>
-          <a:lstStyle/>
-          <a:p>
-            <a:r>
-              <a:rPr lang="en-US" dirty="0" smtClean="0"/>
-              <a:t>Code Dive</a:t>
-            </a:r>
-            <a:endParaRPr lang="en-US" dirty="0"/>
-          </a:p>
-        </p:txBody>
-      </p:sp>
-      <p:sp>
-        <p:nvSpPr>
-          <p:cNvPr id="3" name="Content Placeholder 2"/>
+          <a:bodyPr>
+            <a:normAutofit fontScale="90000"/>
+          </a:bodyPr>
+          <a:lstStyle/>
+          <a:p>
+            <a:r>
+              <a:rPr lang="en-AU" sz="7200" dirty="0" smtClean="0"/>
+              <a:t>Requirements</a:t>
+            </a:r>
+            <a:endParaRPr lang="en-AU" sz="7200" dirty="0"/>
+          </a:p>
+        </p:txBody>
+      </p:sp>
+      <p:sp>
+        <p:nvSpPr>
+          <p:cNvPr id="3" name="Content Placeholder 2">
+            <a:extLst>
+              <a:ext uri="{FF2B5EF4-FFF2-40B4-BE49-F238E27FC236}">
+                <a16:creationId xmlns:a16="http://schemas.microsoft.com/office/drawing/2014/main" xmlns="" id="{EC145A38-FEC7-43D7-AC36-DBFC25A5F973}"/>
+              </a:ext>
+            </a:extLst>
+          </p:cNvPr>
           <p:cNvSpPr>
             <a:spLocks noGrp="1"/>
           </p:cNvSpPr>
@@ -3757,25 +4259,99 @@
             <p:ph idx="1"/>
           </p:nvPr>
         </p:nvSpPr>
-        <p:spPr/>
-        <p:txBody>
-          <a:bodyPr/>
-          <a:lstStyle/>
-          <a:p>
-            <a:endParaRPr lang="en-US" dirty="0"/>
-          </a:p>
-        </p:txBody>
-      </p:sp>
+        <p:spPr>
+          <a:xfrm>
+            <a:off x="592890" y="1466509"/>
+            <a:ext cx="10972800" cy="4525963"/>
+          </a:xfrm>
+        </p:spPr>
+        <p:txBody>
+          <a:bodyPr>
+            <a:normAutofit/>
+          </a:bodyPr>
+          <a:lstStyle/>
+          <a:p>
+            <a:r>
+              <a:rPr lang="en-AU" sz="2800" dirty="0" smtClean="0"/>
+              <a:t>Repository link: ‘https</a:t>
+            </a:r>
+            <a:r>
+              <a:rPr lang="en-AU" sz="2800" dirty="0"/>
+              <a:t>://github.com/markconanan/</a:t>
+            </a:r>
+            <a:r>
+              <a:rPr lang="en-AU" sz="2800" dirty="0" err="1"/>
+              <a:t>CA_Assessment</a:t>
+            </a:r>
+            <a:r>
+              <a:rPr lang="en-AU" sz="2800" dirty="0"/>
+              <a:t>’</a:t>
+            </a:r>
+          </a:p>
+          <a:p>
+            <a:r>
+              <a:rPr lang="en-AU" sz="2800" dirty="0" smtClean="0"/>
+              <a:t>Ruby</a:t>
+            </a:r>
+          </a:p>
+          <a:p>
+            <a:r>
+              <a:rPr lang="en-AU" sz="2800" dirty="0" smtClean="0"/>
+              <a:t>Terminal Table Gem</a:t>
+            </a:r>
+          </a:p>
+          <a:p>
+            <a:endParaRPr lang="en-AU" sz="2800" dirty="0"/>
+          </a:p>
+        </p:txBody>
+      </p:sp>
+      <p:pic>
+        <p:nvPicPr>
+          <p:cNvPr id="4" name="Picture 3" descr="download.png"/>
+          <p:cNvPicPr>
+            <a:picLocks noChangeAspect="1"/>
+          </p:cNvPicPr>
+          <p:nvPr/>
+        </p:nvPicPr>
+        <p:blipFill>
+          <a:blip r:embed="rId2">
+            <a:extLst>
+              <a:ext uri="{28A0092B-C50C-407E-A947-70E740481C1C}">
+                <a14:useLocalDpi xmlns:a14="http://schemas.microsoft.com/office/drawing/2010/main" val="0"/>
+              </a:ext>
+            </a:extLst>
+          </a:blip>
+          <a:stretch>
+            <a:fillRect/>
+          </a:stretch>
+        </p:blipFill>
+        <p:spPr>
+          <a:xfrm>
+            <a:off x="7368344" y="4786574"/>
+            <a:ext cx="4546600" cy="1790700"/>
+          </a:xfrm>
+          <a:prstGeom prst="rect">
+            <a:avLst/>
+          </a:prstGeom>
+        </p:spPr>
+      </p:pic>
     </p:spTree>
     <p:extLst>
       <p:ext uri="{BB962C8B-B14F-4D97-AF65-F5344CB8AC3E}">
-        <p14:creationId xmlns:p14="http://schemas.microsoft.com/office/powerpoint/2010/main" val="1482184971"/>
+        <p14:creationId xmlns:p14="http://schemas.microsoft.com/office/powerpoint/2010/main" val="2273243620"/>
       </p:ext>
     </p:extLst>
   </p:cSld>
   <p:clrMapOvr>
     <a:masterClrMapping/>
   </p:clrMapOvr>
+  <p:timing>
+    <p:tnLst>
+      <p:par>
+        <p:cTn xmlns:p14="http://schemas.microsoft.com/office/powerpoint/2010/main" id="1" dur="indefinite" restart="never" nodeType="tmRoot"/>
+      </p:par>
+    </p:tnLst>
+  </p:timing>
 </p:sld>
 </file>
 
@@ -3813,7 +4389,7 @@
           <a:p>
             <a:r>
               <a:rPr lang="en-US" dirty="0" smtClean="0"/>
-              <a:t>Future Improvements</a:t>
+              <a:t>Functionality</a:t>
             </a:r>
             <a:endParaRPr lang="en-US" dirty="0"/>
           </a:p>
@@ -3831,68 +4407,122 @@
         </p:nvSpPr>
         <p:spPr/>
         <p:txBody>
-          <a:bodyPr/>
-          <a:lstStyle/>
-          <a:p>
+          <a:bodyPr>
+            <a:normAutofit fontScale="92500" lnSpcReduction="10000"/>
+          </a:bodyPr>
+          <a:lstStyle/>
+          <a:p>
+            <a:pPr marL="0" indent="0" algn="just">
+              <a:buNone/>
+            </a:pPr>
             <a:r>
               <a:rPr lang="en-US" dirty="0" smtClean="0"/>
-              <a:t>Option </a:t>
-            </a:r>
+              <a:t>1. The </a:t>
+            </a:r>
+            <a:r>
+              <a:rPr lang="en-US" dirty="0"/>
+              <a:t>application is able to take in inputs from the user for:</a:t>
+            </a:r>
+          </a:p>
+          <a:p>
+            <a:pPr algn="just"/>
             <a:r>
               <a:rPr lang="en-US" dirty="0" smtClean="0"/>
-              <a:t>to view history at the start of the application or proceed with the workout. </a:t>
+              <a:t>Exercise </a:t>
             </a:r>
             <a:r>
               <a:rPr lang="en-US" dirty="0"/>
-              <a:t>The app has already been coded to save history logs.</a:t>
-            </a:r>
-            <a:endParaRPr lang="en-US" dirty="0" smtClean="0"/>
-          </a:p>
-          <a:p>
+              <a:t>name</a:t>
+            </a:r>
+          </a:p>
+          <a:p>
+            <a:pPr algn="just"/>
             <a:r>
               <a:rPr lang="en-US" dirty="0" smtClean="0"/>
-              <a:t>Be </a:t>
-            </a:r>
+              <a:t>Number </a:t>
+            </a:r>
+            <a:r>
+              <a:rPr lang="en-US" dirty="0"/>
+              <a:t>of sets for the exercise</a:t>
+            </a:r>
+          </a:p>
+          <a:p>
+            <a:pPr algn="just"/>
             <a:r>
               <a:rPr lang="en-US" dirty="0" smtClean="0"/>
-              <a:t>able to record cardio exercises (running/swimming)</a:t>
-            </a:r>
-          </a:p>
-          <a:p>
+              <a:t>Weight </a:t>
+            </a:r>
+            <a:r>
+              <a:rPr lang="en-US" dirty="0"/>
+              <a:t>used in the exercise</a:t>
+            </a:r>
+          </a:p>
+          <a:p>
+            <a:pPr algn="just"/>
             <a:r>
               <a:rPr lang="en-US" dirty="0" smtClean="0"/>
-              <a:t>Option to </a:t>
-            </a:r>
+              <a:t>Reps </a:t>
+            </a:r>
+            <a:r>
+              <a:rPr lang="en-US" dirty="0"/>
+              <a:t>achieved for the exercise</a:t>
+            </a:r>
+          </a:p>
+          <a:p>
+            <a:pPr marL="0" indent="0" algn="just">
+              <a:buNone/>
+            </a:pPr>
+            <a:r>
+              <a:rPr lang="en-US" dirty="0"/>
+              <a:t>2. The application can display the exercise log as the user is inputting each set of exercise.</a:t>
+            </a:r>
+          </a:p>
+          <a:p>
+            <a:pPr marL="0" indent="0" algn="just">
+              <a:buNone/>
+            </a:pPr>
             <a:r>
               <a:rPr lang="en-US" dirty="0" smtClean="0"/>
-              <a:t>put</a:t>
-            </a:r>
-            <a:r>
-              <a:rPr lang="en-US" dirty="0" smtClean="0"/>
-              <a:t> </a:t>
-            </a:r>
-            <a:r>
-              <a:rPr lang="en-US" dirty="0" smtClean="0"/>
-              <a:t>weights in pounds for American users</a:t>
-            </a:r>
-          </a:p>
-          <a:p>
-            <a:r>
-              <a:rPr lang="en-US" dirty="0" smtClean="0"/>
-              <a:t>Have a list of exercises and </a:t>
-            </a:r>
-            <a:r>
-              <a:rPr lang="en-US" dirty="0" smtClean="0"/>
-              <a:t>definitions for reference in the app</a:t>
+              <a:t>3. The application can display the complete list after the workout is complete.</a:t>
             </a:r>
             <a:endParaRPr lang="en-US" dirty="0"/>
           </a:p>
         </p:txBody>
       </p:sp>
+      <p:pic>
+        <p:nvPicPr>
+          <p:cNvPr id="4" name="Picture 3" descr="Website-Feature-Image-Functionality.png"/>
+          <p:cNvPicPr>
+            <a:picLocks noChangeAspect="1"/>
+          </p:cNvPicPr>
+          <p:nvPr/>
+        </p:nvPicPr>
+        <p:blipFill>
+          <a:blip r:embed="rId2">
+            <a:extLst>
+              <a:ext uri="{28A0092B-C50C-407E-A947-70E740481C1C}">
+                <a14:useLocalDpi xmlns:a14="http://schemas.microsoft.com/office/drawing/2010/main" val="0"/>
+              </a:ext>
+            </a:extLst>
+          </a:blip>
+          <a:stretch>
+            <a:fillRect/>
+          </a:stretch>
+        </p:blipFill>
+        <p:spPr>
+          <a:xfrm>
+            <a:off x="8505367" y="2189210"/>
+            <a:ext cx="2834426" cy="1919043"/>
+          </a:xfrm>
+          <a:prstGeom prst="rect">
+            <a:avLst/>
+          </a:prstGeom>
+        </p:spPr>
+      </p:pic>
     </p:spTree>
     <p:extLst>
       <p:ext uri="{BB962C8B-B14F-4D97-AF65-F5344CB8AC3E}">
-        <p14:creationId xmlns:p14="http://schemas.microsoft.com/office/powerpoint/2010/main" val="3658996651"/>
+        <p14:creationId xmlns:p14="http://schemas.microsoft.com/office/powerpoint/2010/main" val="2634198490"/>
       </p:ext>
     </p:extLst>
   </p:cSld>
@@ -3943,75 +4573,57 @@
           <a:p>
             <a:r>
               <a:rPr lang="en-US" dirty="0" smtClean="0"/>
-              <a:t>Challenges</a:t>
+              <a:t>User Flow</a:t>
             </a:r>
             <a:endParaRPr lang="en-US" dirty="0"/>
           </a:p>
         </p:txBody>
       </p:sp>
-      <p:sp>
-        <p:nvSpPr>
-          <p:cNvPr id="3" name="Content Placeholder 2"/>
-          <p:cNvSpPr>
-            <a:spLocks noGrp="1"/>
-          </p:cNvSpPr>
+      <p:pic>
+        <p:nvPicPr>
+          <p:cNvPr id="5" name="Content Placeholder 4" descr="flowchart.png"/>
+          <p:cNvPicPr>
+            <a:picLocks noGrp="1" noChangeAspect="1"/>
+          </p:cNvPicPr>
           <p:nvPr>
             <p:ph idx="1"/>
           </p:nvPr>
-        </p:nvSpPr>
-        <p:spPr/>
-        <p:txBody>
-          <a:bodyPr/>
-          <a:lstStyle/>
-          <a:p>
-            <a:r>
-              <a:rPr lang="en-US" dirty="0" smtClean="0"/>
-              <a:t>Refactoring </a:t>
-            </a:r>
-            <a:r>
-              <a:rPr lang="mr-IN" dirty="0" smtClean="0"/>
-              <a:t>–</a:t>
-            </a:r>
-            <a:r>
-              <a:rPr lang="en-US" dirty="0" smtClean="0"/>
-              <a:t> Methods and Classes</a:t>
-            </a:r>
-          </a:p>
-          <a:p>
-            <a:r>
-              <a:rPr lang="en-US" dirty="0" smtClean="0"/>
-              <a:t>Error </a:t>
-            </a:r>
-            <a:r>
-              <a:rPr lang="en-US" dirty="0" smtClean="0"/>
-              <a:t>handling </a:t>
-            </a:r>
-          </a:p>
-          <a:p>
-            <a:r>
-              <a:rPr lang="en-US" dirty="0" smtClean="0"/>
-              <a:t>Automated testing</a:t>
-            </a:r>
-          </a:p>
-          <a:p>
-            <a:r>
-              <a:rPr lang="en-US" dirty="0" smtClean="0"/>
-              <a:t>Control flow</a:t>
-            </a:r>
-            <a:endParaRPr lang="en-US" dirty="0" smtClean="0"/>
-          </a:p>
-        </p:txBody>
-      </p:sp>
+        </p:nvPicPr>
+        <p:blipFill rotWithShape="1">
+          <a:blip r:embed="rId2">
+            <a:extLst>
+              <a:ext uri="{28A0092B-C50C-407E-A947-70E740481C1C}">
+                <a14:useLocalDpi xmlns:a14="http://schemas.microsoft.com/office/drawing/2010/main" val="0"/>
+              </a:ext>
+            </a:extLst>
+          </a:blip>
+          <a:srcRect t="-1300" r="12942" b="431"/>
+          <a:stretch/>
+        </p:blipFill>
+        <p:spPr>
+          <a:xfrm>
+            <a:off x="4244328" y="1548996"/>
+            <a:ext cx="3641937" cy="4881973"/>
+          </a:xfrm>
+        </p:spPr>
+      </p:pic>
     </p:spTree>
     <p:extLst>
       <p:ext uri="{BB962C8B-B14F-4D97-AF65-F5344CB8AC3E}">
-        <p14:creationId xmlns:p14="http://schemas.microsoft.com/office/powerpoint/2010/main" val="2256724009"/>
+        <p14:creationId xmlns:p14="http://schemas.microsoft.com/office/powerpoint/2010/main" val="3098910269"/>
       </p:ext>
     </p:extLst>
   </p:cSld>
   <p:clrMapOvr>
     <a:masterClrMapping/>
   </p:clrMapOvr>
+  <p:timing>
+    <p:tnLst>
+      <p:par>
+        <p:cTn xmlns:p14="http://schemas.microsoft.com/office/powerpoint/2010/main" id="1" dur="indefinite" restart="never" nodeType="tmRoot"/>
+      </p:par>
+    </p:tnLst>
+  </p:timing>
 </p:sld>
 </file>
 
